--- a/M_RWD_Design_傅意茹.pptx
+++ b/M_RWD_Design_傅意茹.pptx
@@ -7,7 +7,7 @@
   <p:sldIdLst>
     <p:sldId id="256" r:id="rId2"/>
   </p:sldIdLst>
-  <p:sldSz cx="3694113" cy="5943600"/>
+  <p:sldSz cx="3694113" cy="7388225"/>
   <p:notesSz cx="6858000" cy="9144000"/>
   <p:defaultTextStyle>
     <a:defPPr>
@@ -136,8 +136,8 @@
         </p:nvSpPr>
         <p:spPr>
           <a:xfrm>
-            <a:off x="277059" y="1846369"/>
-            <a:ext cx="3139996" cy="1274022"/>
+            <a:off x="277059" y="2295139"/>
+            <a:ext cx="3139996" cy="1583680"/>
           </a:xfrm>
         </p:spPr>
         <p:txBody>
@@ -164,8 +164,8 @@
         </p:nvSpPr>
         <p:spPr>
           <a:xfrm>
-            <a:off x="554118" y="3368040"/>
-            <a:ext cx="2585879" cy="1518920"/>
+            <a:off x="554119" y="4186661"/>
+            <a:ext cx="2585879" cy="1888102"/>
           </a:xfrm>
         </p:spPr>
         <p:txBody>
@@ -288,7 +288,7 @@
           <a:p>
             <a:fld id="{58B3F3ED-7A63-6541-B692-78FDCC0CB9E1}" type="datetimeFigureOut">
               <a:rPr kumimoji="1" lang="zh-TW" altLang="en-US" smtClean="0"/>
-              <a:t>2016/5/17</a:t>
+              <a:t>2016/5/18</a:t>
             </a:fld>
             <a:endParaRPr kumimoji="1" lang="zh-TW" altLang="en-US"/>
           </a:p>
@@ -458,7 +458,7 @@
           <a:p>
             <a:fld id="{58B3F3ED-7A63-6541-B692-78FDCC0CB9E1}" type="datetimeFigureOut">
               <a:rPr kumimoji="1" lang="zh-TW" altLang="en-US" smtClean="0"/>
-              <a:t>2016/5/17</a:t>
+              <a:t>2016/5/18</a:t>
             </a:fld>
             <a:endParaRPr kumimoji="1" lang="zh-TW" altLang="en-US"/>
           </a:p>
@@ -548,8 +548,8 @@
         </p:nvSpPr>
         <p:spPr>
           <a:xfrm>
-            <a:off x="1082581" y="238021"/>
-            <a:ext cx="335421" cy="5071322"/>
+            <a:off x="1082586" y="295875"/>
+            <a:ext cx="335421" cy="6303935"/>
           </a:xfrm>
         </p:spPr>
         <p:txBody>
@@ -576,8 +576,8 @@
         </p:nvSpPr>
         <p:spPr>
           <a:xfrm>
-            <a:off x="74396" y="238021"/>
-            <a:ext cx="946616" cy="5071322"/>
+            <a:off x="74396" y="295875"/>
+            <a:ext cx="946616" cy="6303935"/>
           </a:xfrm>
         </p:spPr>
         <p:txBody>
@@ -638,7 +638,7 @@
           <a:p>
             <a:fld id="{58B3F3ED-7A63-6541-B692-78FDCC0CB9E1}" type="datetimeFigureOut">
               <a:rPr kumimoji="1" lang="zh-TW" altLang="en-US" smtClean="0"/>
-              <a:t>2016/5/17</a:t>
+              <a:t>2016/5/18</a:t>
             </a:fld>
             <a:endParaRPr kumimoji="1" lang="zh-TW" altLang="en-US"/>
           </a:p>
@@ -808,7 +808,7 @@
           <a:p>
             <a:fld id="{58B3F3ED-7A63-6541-B692-78FDCC0CB9E1}" type="datetimeFigureOut">
               <a:rPr kumimoji="1" lang="zh-TW" altLang="en-US" smtClean="0"/>
-              <a:t>2016/5/17</a:t>
+              <a:t>2016/5/18</a:t>
             </a:fld>
             <a:endParaRPr kumimoji="1" lang="zh-TW" altLang="en-US"/>
           </a:p>
@@ -898,8 +898,8 @@
         </p:nvSpPr>
         <p:spPr>
           <a:xfrm>
-            <a:off x="291810" y="3819315"/>
-            <a:ext cx="3139996" cy="1180465"/>
+            <a:off x="291810" y="4747621"/>
+            <a:ext cx="3139996" cy="1467384"/>
           </a:xfrm>
         </p:spPr>
         <p:txBody>
@@ -930,8 +930,8 @@
         </p:nvSpPr>
         <p:spPr>
           <a:xfrm>
-            <a:off x="291810" y="2519152"/>
-            <a:ext cx="3139996" cy="1300162"/>
+            <a:off x="291810" y="3131446"/>
+            <a:ext cx="3139996" cy="1616174"/>
           </a:xfrm>
         </p:spPr>
         <p:txBody>
@@ -1054,7 +1054,7 @@
           <a:p>
             <a:fld id="{58B3F3ED-7A63-6541-B692-78FDCC0CB9E1}" type="datetimeFigureOut">
               <a:rPr kumimoji="1" lang="zh-TW" altLang="en-US" smtClean="0"/>
-              <a:t>2016/5/17</a:t>
+              <a:t>2016/5/18</a:t>
             </a:fld>
             <a:endParaRPr kumimoji="1" lang="zh-TW" altLang="en-US"/>
           </a:p>
@@ -1167,8 +1167,8 @@
         </p:nvSpPr>
         <p:spPr>
           <a:xfrm>
-            <a:off x="74395" y="1386841"/>
-            <a:ext cx="640698" cy="3922501"/>
+            <a:off x="74395" y="1723923"/>
+            <a:ext cx="640698" cy="4875887"/>
           </a:xfrm>
         </p:spPr>
         <p:txBody>
@@ -1252,8 +1252,8 @@
         </p:nvSpPr>
         <p:spPr>
           <a:xfrm>
-            <a:off x="776663" y="1386841"/>
-            <a:ext cx="641339" cy="3922501"/>
+            <a:off x="776668" y="1723923"/>
+            <a:ext cx="641339" cy="4875887"/>
           </a:xfrm>
         </p:spPr>
         <p:txBody>
@@ -1342,7 +1342,7 @@
           <a:p>
             <a:fld id="{58B3F3ED-7A63-6541-B692-78FDCC0CB9E1}" type="datetimeFigureOut">
               <a:rPr kumimoji="1" lang="zh-TW" altLang="en-US" smtClean="0"/>
-              <a:t>2016/5/17</a:t>
+              <a:t>2016/5/18</a:t>
             </a:fld>
             <a:endParaRPr kumimoji="1" lang="zh-TW" altLang="en-US"/>
           </a:p>
@@ -1432,8 +1432,8 @@
         </p:nvSpPr>
         <p:spPr>
           <a:xfrm>
-            <a:off x="184706" y="238020"/>
-            <a:ext cx="3324702" cy="990600"/>
+            <a:off x="184706" y="295872"/>
+            <a:ext cx="3324702" cy="1231371"/>
           </a:xfrm>
         </p:spPr>
         <p:txBody>
@@ -1464,8 +1464,8 @@
         </p:nvSpPr>
         <p:spPr>
           <a:xfrm>
-            <a:off x="184706" y="1330431"/>
-            <a:ext cx="1632208" cy="554460"/>
+            <a:off x="184706" y="1653801"/>
+            <a:ext cx="1632208" cy="689225"/>
           </a:xfrm>
         </p:spPr>
         <p:txBody>
@@ -1529,8 +1529,8 @@
         </p:nvSpPr>
         <p:spPr>
           <a:xfrm>
-            <a:off x="184706" y="1884891"/>
-            <a:ext cx="1632208" cy="3424450"/>
+            <a:off x="184706" y="2343024"/>
+            <a:ext cx="1632208" cy="4256782"/>
           </a:xfrm>
         </p:spPr>
         <p:txBody>
@@ -1614,8 +1614,8 @@
         </p:nvSpPr>
         <p:spPr>
           <a:xfrm>
-            <a:off x="1876559" y="1330431"/>
-            <a:ext cx="1632849" cy="554460"/>
+            <a:off x="1876564" y="1653801"/>
+            <a:ext cx="1632849" cy="689225"/>
           </a:xfrm>
         </p:spPr>
         <p:txBody>
@@ -1679,8 +1679,8 @@
         </p:nvSpPr>
         <p:spPr>
           <a:xfrm>
-            <a:off x="1876559" y="1884891"/>
-            <a:ext cx="1632849" cy="3424450"/>
+            <a:off x="1876564" y="2343024"/>
+            <a:ext cx="1632849" cy="4256782"/>
           </a:xfrm>
         </p:spPr>
         <p:txBody>
@@ -1769,7 +1769,7 @@
           <a:p>
             <a:fld id="{58B3F3ED-7A63-6541-B692-78FDCC0CB9E1}" type="datetimeFigureOut">
               <a:rPr kumimoji="1" lang="zh-TW" altLang="en-US" smtClean="0"/>
-              <a:t>2016/5/17</a:t>
+              <a:t>2016/5/18</a:t>
             </a:fld>
             <a:endParaRPr kumimoji="1" lang="zh-TW" altLang="en-US"/>
           </a:p>
@@ -1887,7 +1887,7 @@
           <a:p>
             <a:fld id="{58B3F3ED-7A63-6541-B692-78FDCC0CB9E1}" type="datetimeFigureOut">
               <a:rPr kumimoji="1" lang="zh-TW" altLang="en-US" smtClean="0"/>
-              <a:t>2016/5/17</a:t>
+              <a:t>2016/5/18</a:t>
             </a:fld>
             <a:endParaRPr kumimoji="1" lang="zh-TW" altLang="en-US"/>
           </a:p>
@@ -1982,7 +1982,7 @@
           <a:p>
             <a:fld id="{58B3F3ED-7A63-6541-B692-78FDCC0CB9E1}" type="datetimeFigureOut">
               <a:rPr kumimoji="1" lang="zh-TW" altLang="en-US" smtClean="0"/>
-              <a:t>2016/5/17</a:t>
+              <a:t>2016/5/18</a:t>
             </a:fld>
             <a:endParaRPr kumimoji="1" lang="zh-TW" altLang="en-US"/>
           </a:p>
@@ -2072,8 +2072,8 @@
         </p:nvSpPr>
         <p:spPr>
           <a:xfrm>
-            <a:off x="184706" y="236643"/>
-            <a:ext cx="1215338" cy="1007110"/>
+            <a:off x="184706" y="294160"/>
+            <a:ext cx="1215338" cy="1251894"/>
           </a:xfrm>
         </p:spPr>
         <p:txBody>
@@ -2104,8 +2104,8 @@
         </p:nvSpPr>
         <p:spPr>
           <a:xfrm>
-            <a:off x="1444295" y="236645"/>
-            <a:ext cx="2065112" cy="5072698"/>
+            <a:off x="1444295" y="294164"/>
+            <a:ext cx="2065112" cy="6305645"/>
           </a:xfrm>
         </p:spPr>
         <p:txBody>
@@ -2189,8 +2189,8 @@
         </p:nvSpPr>
         <p:spPr>
           <a:xfrm>
-            <a:off x="184706" y="1243755"/>
-            <a:ext cx="1215338" cy="4065588"/>
+            <a:off x="184706" y="1546056"/>
+            <a:ext cx="1215338" cy="5053752"/>
           </a:xfrm>
         </p:spPr>
         <p:txBody>
@@ -2259,7 +2259,7 @@
           <a:p>
             <a:fld id="{58B3F3ED-7A63-6541-B692-78FDCC0CB9E1}" type="datetimeFigureOut">
               <a:rPr kumimoji="1" lang="zh-TW" altLang="en-US" smtClean="0"/>
-              <a:t>2016/5/17</a:t>
+              <a:t>2016/5/18</a:t>
             </a:fld>
             <a:endParaRPr kumimoji="1" lang="zh-TW" altLang="en-US"/>
           </a:p>
@@ -2349,8 +2349,8 @@
         </p:nvSpPr>
         <p:spPr>
           <a:xfrm>
-            <a:off x="724072" y="4160520"/>
-            <a:ext cx="2216468" cy="491173"/>
+            <a:off x="724072" y="5171760"/>
+            <a:ext cx="2216468" cy="610555"/>
           </a:xfrm>
         </p:spPr>
         <p:txBody>
@@ -2381,8 +2381,8 @@
         </p:nvSpPr>
         <p:spPr>
           <a:xfrm>
-            <a:off x="724072" y="531072"/>
-            <a:ext cx="2216468" cy="3566160"/>
+            <a:off x="724072" y="660153"/>
+            <a:ext cx="2216468" cy="4432935"/>
           </a:xfrm>
         </p:spPr>
         <p:txBody>
@@ -2442,8 +2442,8 @@
         </p:nvSpPr>
         <p:spPr>
           <a:xfrm>
-            <a:off x="724072" y="4651693"/>
-            <a:ext cx="2216468" cy="697547"/>
+            <a:off x="724072" y="5782313"/>
+            <a:ext cx="2216468" cy="867090"/>
           </a:xfrm>
         </p:spPr>
         <p:txBody>
@@ -2512,7 +2512,7 @@
           <a:p>
             <a:fld id="{58B3F3ED-7A63-6541-B692-78FDCC0CB9E1}" type="datetimeFigureOut">
               <a:rPr kumimoji="1" lang="zh-TW" altLang="en-US" smtClean="0"/>
-              <a:t>2016/5/17</a:t>
+              <a:t>2016/5/18</a:t>
             </a:fld>
             <a:endParaRPr kumimoji="1" lang="zh-TW" altLang="en-US"/>
           </a:p>
@@ -2607,8 +2607,8 @@
         </p:nvSpPr>
         <p:spPr>
           <a:xfrm>
-            <a:off x="184706" y="238020"/>
-            <a:ext cx="3324702" cy="990600"/>
+            <a:off x="184706" y="295872"/>
+            <a:ext cx="3324702" cy="1231371"/>
           </a:xfrm>
           <a:prstGeom prst="rect">
             <a:avLst/>
@@ -2640,8 +2640,8 @@
         </p:nvSpPr>
         <p:spPr>
           <a:xfrm>
-            <a:off x="184706" y="1386841"/>
-            <a:ext cx="3324702" cy="3922501"/>
+            <a:off x="184706" y="1723923"/>
+            <a:ext cx="3324702" cy="4875887"/>
           </a:xfrm>
           <a:prstGeom prst="rect">
             <a:avLst/>
@@ -2702,8 +2702,8 @@
         </p:nvSpPr>
         <p:spPr>
           <a:xfrm>
-            <a:off x="184706" y="5508838"/>
-            <a:ext cx="861960" cy="316442"/>
+            <a:off x="184706" y="6847793"/>
+            <a:ext cx="861960" cy="393355"/>
           </a:xfrm>
           <a:prstGeom prst="rect">
             <a:avLst/>
@@ -2725,7 +2725,7 @@
           <a:p>
             <a:fld id="{58B3F3ED-7A63-6541-B692-78FDCC0CB9E1}" type="datetimeFigureOut">
               <a:rPr kumimoji="1" lang="zh-TW" altLang="en-US" smtClean="0"/>
-              <a:t>2016/5/17</a:t>
+              <a:t>2016/5/18</a:t>
             </a:fld>
             <a:endParaRPr kumimoji="1" lang="zh-TW" altLang="en-US"/>
           </a:p>
@@ -2743,8 +2743,8 @@
         </p:nvSpPr>
         <p:spPr>
           <a:xfrm>
-            <a:off x="1262156" y="5508838"/>
-            <a:ext cx="1169802" cy="316442"/>
+            <a:off x="1262156" y="6847793"/>
+            <a:ext cx="1169802" cy="393355"/>
           </a:xfrm>
           <a:prstGeom prst="rect">
             <a:avLst/>
@@ -2780,8 +2780,8 @@
         </p:nvSpPr>
         <p:spPr>
           <a:xfrm>
-            <a:off x="2647448" y="5508838"/>
-            <a:ext cx="861960" cy="316442"/>
+            <a:off x="2647448" y="6847793"/>
+            <a:ext cx="861960" cy="393355"/>
           </a:xfrm>
           <a:prstGeom prst="rect">
             <a:avLst/>
@@ -3102,23 +3102,20 @@
       </p:grpSpPr>
       <p:sp>
         <p:nvSpPr>
-          <p:cNvPr id="81" name="矩形 80"/>
+          <p:cNvPr id="65" name="矩形 64"/>
           <p:cNvSpPr/>
           <p:nvPr/>
         </p:nvSpPr>
         <p:spPr>
           <a:xfrm>
-            <a:off x="-7697" y="641724"/>
-            <a:ext cx="3721938" cy="504000"/>
+            <a:off x="-7762" y="0"/>
+            <a:ext cx="3729699" cy="641726"/>
           </a:xfrm>
           <a:prstGeom prst="rect">
             <a:avLst/>
           </a:prstGeom>
           <a:solidFill>
-            <a:schemeClr val="accent3">
-              <a:lumMod val="60000"/>
-              <a:lumOff val="40000"/>
-            </a:schemeClr>
+            <a:srgbClr val="FC813B"/>
           </a:solidFill>
           <a:ln>
             <a:noFill/>
@@ -3148,54 +3145,9 @@
           </a:p>
         </p:txBody>
       </p:sp>
-      <p:sp>
-        <p:nvSpPr>
-          <p:cNvPr id="82" name="矩形 81"/>
-          <p:cNvSpPr/>
-          <p:nvPr/>
-        </p:nvSpPr>
-        <p:spPr>
-          <a:xfrm>
-            <a:off x="-7762" y="0"/>
-            <a:ext cx="3729699" cy="641726"/>
-          </a:xfrm>
-          <a:prstGeom prst="rect">
-            <a:avLst/>
-          </a:prstGeom>
-          <a:solidFill>
-            <a:srgbClr val="FC813B"/>
-          </a:solidFill>
-          <a:ln>
-            <a:noFill/>
-          </a:ln>
-          <a:effectLst/>
-        </p:spPr>
-        <p:style>
-          <a:lnRef idx="1">
-            <a:schemeClr val="accent1"/>
-          </a:lnRef>
-          <a:fillRef idx="3">
-            <a:schemeClr val="accent1"/>
-          </a:fillRef>
-          <a:effectRef idx="2">
-            <a:schemeClr val="accent1"/>
-          </a:effectRef>
-          <a:fontRef idx="minor">
-            <a:schemeClr val="lt1"/>
-          </a:fontRef>
-        </p:style>
-        <p:txBody>
-          <a:bodyPr rtlCol="0" anchor="ctr"/>
-          <a:lstStyle/>
-          <a:p>
-            <a:pPr algn="ctr"/>
-            <a:endParaRPr kumimoji="1" lang="zh-TW" altLang="en-US"/>
-          </a:p>
-        </p:txBody>
-      </p:sp>
       <p:pic>
         <p:nvPicPr>
-          <p:cNvPr id="83" name="圖片 82" descr="pet_finder_logo.png"/>
+          <p:cNvPr id="66" name="圖片 65" descr="pet_finder_logo.png"/>
           <p:cNvPicPr>
             <a:picLocks noChangeAspect="1"/>
           </p:cNvPicPr>
@@ -3230,20 +3182,450 @@
           </a:prstGeom>
         </p:spPr>
       </p:pic>
-      <p:sp>
-        <p:nvSpPr>
-          <p:cNvPr id="84" name="圓角矩形 83"/>
-          <p:cNvSpPr>
-            <a:spLocks/>
-          </p:cNvSpPr>
+      <p:grpSp>
+        <p:nvGrpSpPr>
+          <p:cNvPr id="3" name="群組 2"/>
+          <p:cNvGrpSpPr/>
           <p:nvPr/>
-        </p:nvSpPr>
-        <p:spPr>
-          <a:xfrm>
-            <a:off x="92353" y="785724"/>
-            <a:ext cx="810000" cy="216000"/>
-          </a:xfrm>
-          <a:prstGeom prst="roundRect">
+        </p:nvGrpSpPr>
+        <p:grpSpPr>
+          <a:xfrm>
+            <a:off x="-511" y="643804"/>
+            <a:ext cx="3721938" cy="504000"/>
+            <a:chOff x="-3652" y="2083804"/>
+            <a:chExt cx="3721938" cy="504000"/>
+          </a:xfrm>
+        </p:grpSpPr>
+        <p:sp>
+          <p:nvSpPr>
+            <p:cNvPr id="64" name="矩形 63"/>
+            <p:cNvSpPr/>
+            <p:nvPr/>
+          </p:nvSpPr>
+          <p:spPr>
+            <a:xfrm>
+              <a:off x="-3652" y="2083804"/>
+              <a:ext cx="3721938" cy="504000"/>
+            </a:xfrm>
+            <a:prstGeom prst="rect">
+              <a:avLst/>
+            </a:prstGeom>
+            <a:solidFill>
+              <a:schemeClr val="accent3">
+                <a:lumMod val="60000"/>
+                <a:lumOff val="40000"/>
+              </a:schemeClr>
+            </a:solidFill>
+            <a:ln>
+              <a:noFill/>
+            </a:ln>
+            <a:effectLst/>
+          </p:spPr>
+          <p:style>
+            <a:lnRef idx="1">
+              <a:schemeClr val="accent1"/>
+            </a:lnRef>
+            <a:fillRef idx="3">
+              <a:schemeClr val="accent1"/>
+            </a:fillRef>
+            <a:effectRef idx="2">
+              <a:schemeClr val="accent1"/>
+            </a:effectRef>
+            <a:fontRef idx="minor">
+              <a:schemeClr val="lt1"/>
+            </a:fontRef>
+          </p:style>
+          <p:txBody>
+            <a:bodyPr rtlCol="0" anchor="ctr"/>
+            <a:lstStyle/>
+            <a:p>
+              <a:pPr algn="ctr"/>
+              <a:endParaRPr kumimoji="1" lang="zh-TW" altLang="en-US"/>
+            </a:p>
+          </p:txBody>
+        </p:sp>
+        <p:sp>
+          <p:nvSpPr>
+            <p:cNvPr id="67" name="圓角矩形 66"/>
+            <p:cNvSpPr>
+              <a:spLocks/>
+            </p:cNvSpPr>
+            <p:nvPr/>
+          </p:nvSpPr>
+          <p:spPr>
+            <a:xfrm>
+              <a:off x="96398" y="2227804"/>
+              <a:ext cx="810000" cy="216000"/>
+            </a:xfrm>
+            <a:prstGeom prst="roundRect">
+              <a:avLst/>
+            </a:prstGeom>
+            <a:solidFill>
+              <a:schemeClr val="accent3">
+                <a:lumMod val="20000"/>
+                <a:lumOff val="80000"/>
+              </a:schemeClr>
+            </a:solidFill>
+            <a:ln w="19050" cmpd="sng">
+              <a:solidFill>
+                <a:schemeClr val="accent3">
+                  <a:lumMod val="75000"/>
+                </a:schemeClr>
+              </a:solidFill>
+            </a:ln>
+            <a:effectLst/>
+          </p:spPr>
+          <p:style>
+            <a:lnRef idx="1">
+              <a:schemeClr val="accent1"/>
+            </a:lnRef>
+            <a:fillRef idx="3">
+              <a:schemeClr val="accent1"/>
+            </a:fillRef>
+            <a:effectRef idx="2">
+              <a:schemeClr val="accent1"/>
+            </a:effectRef>
+            <a:fontRef idx="minor">
+              <a:schemeClr val="lt1"/>
+            </a:fontRef>
+          </p:style>
+          <p:txBody>
+            <a:bodyPr rtlCol="0" anchor="ctr"/>
+            <a:lstStyle/>
+            <a:p>
+              <a:pPr algn="ctr"/>
+              <a:r>
+                <a:rPr kumimoji="1" lang="en-US" altLang="zh-TW" sz="1100" b="1" dirty="0">
+                  <a:solidFill>
+                    <a:srgbClr val="663333"/>
+                  </a:solidFill>
+                  <a:effectLst/>
+                  <a:latin typeface="SFNS Display"/>
+                  <a:cs typeface="SFNS Display"/>
+                </a:rPr>
+                <a:t>Home</a:t>
+              </a:r>
+              <a:endParaRPr kumimoji="1" lang="zh-TW" altLang="en-US" sz="1100" b="1" dirty="0">
+                <a:solidFill>
+                  <a:srgbClr val="663333"/>
+                </a:solidFill>
+                <a:effectLst/>
+                <a:latin typeface="SFNS Display"/>
+                <a:cs typeface="SFNS Display"/>
+              </a:endParaRPr>
+            </a:p>
+          </p:txBody>
+        </p:sp>
+        <p:sp>
+          <p:nvSpPr>
+            <p:cNvPr id="68" name="圓角矩形 67"/>
+            <p:cNvSpPr>
+              <a:spLocks/>
+            </p:cNvSpPr>
+            <p:nvPr/>
+          </p:nvSpPr>
+          <p:spPr>
+            <a:xfrm>
+              <a:off x="2802902" y="2227804"/>
+              <a:ext cx="810000" cy="216000"/>
+            </a:xfrm>
+            <a:prstGeom prst="roundRect">
+              <a:avLst/>
+            </a:prstGeom>
+            <a:solidFill>
+              <a:srgbClr val="EBF1DE"/>
+            </a:solidFill>
+            <a:ln w="19050" cmpd="sng">
+              <a:solidFill>
+                <a:schemeClr val="accent3">
+                  <a:lumMod val="75000"/>
+                </a:schemeClr>
+              </a:solidFill>
+            </a:ln>
+            <a:effectLst/>
+          </p:spPr>
+          <p:style>
+            <a:lnRef idx="1">
+              <a:schemeClr val="accent1"/>
+            </a:lnRef>
+            <a:fillRef idx="3">
+              <a:schemeClr val="accent1"/>
+            </a:fillRef>
+            <a:effectRef idx="2">
+              <a:schemeClr val="accent1"/>
+            </a:effectRef>
+            <a:fontRef idx="minor">
+              <a:schemeClr val="lt1"/>
+            </a:fontRef>
+          </p:style>
+          <p:txBody>
+            <a:bodyPr rtlCol="0" anchor="ctr"/>
+            <a:lstStyle/>
+            <a:p>
+              <a:pPr algn="ctr"/>
+              <a:r>
+                <a:rPr kumimoji="1" lang="en-US" altLang="zh-TW" sz="1100" b="1" dirty="0" smtClean="0">
+                  <a:solidFill>
+                    <a:srgbClr val="663333"/>
+                  </a:solidFill>
+                  <a:effectLst/>
+                  <a:latin typeface="SFNS Display"/>
+                  <a:cs typeface="SFNS Display"/>
+                </a:rPr>
+                <a:t>About Us</a:t>
+              </a:r>
+              <a:endParaRPr kumimoji="1" lang="zh-TW" altLang="en-US" sz="1100" b="1" dirty="0">
+                <a:solidFill>
+                  <a:srgbClr val="663333"/>
+                </a:solidFill>
+                <a:effectLst/>
+                <a:latin typeface="SFNS Display"/>
+                <a:cs typeface="SFNS Display"/>
+              </a:endParaRPr>
+            </a:p>
+          </p:txBody>
+        </p:sp>
+        <p:sp>
+          <p:nvSpPr>
+            <p:cNvPr id="69" name="圓角矩形 68"/>
+            <p:cNvSpPr>
+              <a:spLocks/>
+            </p:cNvSpPr>
+            <p:nvPr/>
+          </p:nvSpPr>
+          <p:spPr>
+            <a:xfrm>
+              <a:off x="998566" y="2227804"/>
+              <a:ext cx="810000" cy="216000"/>
+            </a:xfrm>
+            <a:prstGeom prst="roundRect">
+              <a:avLst/>
+            </a:prstGeom>
+            <a:solidFill>
+              <a:srgbClr val="EBF1DE"/>
+            </a:solidFill>
+            <a:ln w="19050" cmpd="sng">
+              <a:solidFill>
+                <a:schemeClr val="accent3">
+                  <a:lumMod val="75000"/>
+                </a:schemeClr>
+              </a:solidFill>
+            </a:ln>
+            <a:effectLst/>
+          </p:spPr>
+          <p:style>
+            <a:lnRef idx="1">
+              <a:schemeClr val="accent1"/>
+            </a:lnRef>
+            <a:fillRef idx="3">
+              <a:schemeClr val="accent1"/>
+            </a:fillRef>
+            <a:effectRef idx="2">
+              <a:schemeClr val="accent1"/>
+            </a:effectRef>
+            <a:fontRef idx="minor">
+              <a:schemeClr val="lt1"/>
+            </a:fontRef>
+          </p:style>
+          <p:txBody>
+            <a:bodyPr rtlCol="0" anchor="ctr"/>
+            <a:lstStyle/>
+            <a:p>
+              <a:pPr algn="ctr"/>
+              <a:r>
+                <a:rPr kumimoji="1" lang="en-US" altLang="zh-TW" sz="1100" b="1" dirty="0" smtClean="0">
+                  <a:solidFill>
+                    <a:srgbClr val="663333"/>
+                  </a:solidFill>
+                  <a:effectLst/>
+                  <a:latin typeface="SFNS Display"/>
+                  <a:cs typeface="SFNS Display"/>
+                </a:rPr>
+                <a:t>Portfolio</a:t>
+              </a:r>
+              <a:endParaRPr kumimoji="1" lang="zh-TW" altLang="en-US" sz="1100" b="1" dirty="0">
+                <a:solidFill>
+                  <a:srgbClr val="663333"/>
+                </a:solidFill>
+                <a:effectLst/>
+                <a:latin typeface="SFNS Display"/>
+                <a:cs typeface="SFNS Display"/>
+              </a:endParaRPr>
+            </a:p>
+          </p:txBody>
+        </p:sp>
+        <p:sp>
+          <p:nvSpPr>
+            <p:cNvPr id="70" name="圓角矩形 69"/>
+            <p:cNvSpPr>
+              <a:spLocks/>
+            </p:cNvSpPr>
+            <p:nvPr/>
+          </p:nvSpPr>
+          <p:spPr>
+            <a:xfrm>
+              <a:off x="1900734" y="2227804"/>
+              <a:ext cx="810000" cy="216000"/>
+            </a:xfrm>
+            <a:prstGeom prst="roundRect">
+              <a:avLst/>
+            </a:prstGeom>
+            <a:solidFill>
+              <a:srgbClr val="EBF1DE"/>
+            </a:solidFill>
+            <a:ln w="19050" cmpd="sng">
+              <a:solidFill>
+                <a:schemeClr val="accent3">
+                  <a:lumMod val="75000"/>
+                </a:schemeClr>
+              </a:solidFill>
+            </a:ln>
+            <a:effectLst/>
+          </p:spPr>
+          <p:style>
+            <a:lnRef idx="1">
+              <a:schemeClr val="accent1"/>
+            </a:lnRef>
+            <a:fillRef idx="3">
+              <a:schemeClr val="accent1"/>
+            </a:fillRef>
+            <a:effectRef idx="2">
+              <a:schemeClr val="accent1"/>
+            </a:effectRef>
+            <a:fontRef idx="minor">
+              <a:schemeClr val="lt1"/>
+            </a:fontRef>
+          </p:style>
+          <p:txBody>
+            <a:bodyPr rtlCol="0" anchor="ctr"/>
+            <a:lstStyle/>
+            <a:p>
+              <a:pPr algn="ctr"/>
+              <a:r>
+                <a:rPr kumimoji="1" lang="en-US" altLang="zh-TW" sz="1100" b="1" dirty="0" smtClean="0">
+                  <a:solidFill>
+                    <a:srgbClr val="663333"/>
+                  </a:solidFill>
+                  <a:effectLst/>
+                  <a:latin typeface="SFNS Display"/>
+                  <a:cs typeface="SFNS Display"/>
+                </a:rPr>
+                <a:t>Links</a:t>
+              </a:r>
+              <a:endParaRPr kumimoji="1" lang="zh-TW" altLang="en-US" sz="1100" b="1" dirty="0">
+                <a:solidFill>
+                  <a:srgbClr val="663333"/>
+                </a:solidFill>
+                <a:effectLst/>
+                <a:latin typeface="SFNS Display"/>
+                <a:cs typeface="SFNS Display"/>
+              </a:endParaRPr>
+            </a:p>
+          </p:txBody>
+        </p:sp>
+      </p:grpSp>
+      <p:pic>
+        <p:nvPicPr>
+          <p:cNvPr id="71" name="圖片 70" descr="icon_Facebook.png"/>
+          <p:cNvPicPr>
+            <a:picLocks noChangeAspect="1"/>
+          </p:cNvPicPr>
+          <p:nvPr/>
+        </p:nvPicPr>
+        <p:blipFill>
+          <a:blip r:embed="rId3" cstate="email">
+            <a:extLst>
+              <a:ext uri="{28A0092B-C50C-407E-A947-70E740481C1C}">
+                <a14:useLocalDpi xmlns:a14="http://schemas.microsoft.com/office/drawing/2010/main"/>
+              </a:ext>
+            </a:extLst>
+          </a:blip>
+          <a:stretch>
+            <a:fillRect/>
+          </a:stretch>
+        </p:blipFill>
+        <p:spPr>
+          <a:xfrm>
+            <a:off x="2801591" y="233690"/>
+            <a:ext cx="216000" cy="216000"/>
+          </a:xfrm>
+          <a:prstGeom prst="rect">
+            <a:avLst/>
+          </a:prstGeom>
+        </p:spPr>
+      </p:pic>
+      <p:pic>
+        <p:nvPicPr>
+          <p:cNvPr id="72" name="圖片 71" descr="icon_Instagram.png"/>
+          <p:cNvPicPr>
+            <a:picLocks noChangeAspect="1"/>
+          </p:cNvPicPr>
+          <p:nvPr/>
+        </p:nvPicPr>
+        <p:blipFill>
+          <a:blip r:embed="rId4" cstate="email">
+            <a:extLst>
+              <a:ext uri="{28A0092B-C50C-407E-A947-70E740481C1C}">
+                <a14:useLocalDpi xmlns:a14="http://schemas.microsoft.com/office/drawing/2010/main"/>
+              </a:ext>
+            </a:extLst>
+          </a:blip>
+          <a:stretch>
+            <a:fillRect/>
+          </a:stretch>
+        </p:blipFill>
+        <p:spPr>
+          <a:xfrm>
+            <a:off x="3092810" y="233690"/>
+            <a:ext cx="216000" cy="216000"/>
+          </a:xfrm>
+          <a:prstGeom prst="rect">
+            <a:avLst/>
+          </a:prstGeom>
+        </p:spPr>
+      </p:pic>
+      <p:pic>
+        <p:nvPicPr>
+          <p:cNvPr id="73" name="圖片 72" descr="icon_Twitter.png"/>
+          <p:cNvPicPr>
+            <a:picLocks noChangeAspect="1"/>
+          </p:cNvPicPr>
+          <p:nvPr/>
+        </p:nvPicPr>
+        <p:blipFill>
+          <a:blip r:embed="rId5" cstate="email">
+            <a:extLst>
+              <a:ext uri="{28A0092B-C50C-407E-A947-70E740481C1C}">
+                <a14:useLocalDpi xmlns:a14="http://schemas.microsoft.com/office/drawing/2010/main"/>
+              </a:ext>
+            </a:extLst>
+          </a:blip>
+          <a:stretch>
+            <a:fillRect/>
+          </a:stretch>
+        </p:blipFill>
+        <p:spPr>
+          <a:xfrm>
+            <a:off x="3384028" y="233690"/>
+            <a:ext cx="216000" cy="216000"/>
+          </a:xfrm>
+          <a:prstGeom prst="rect">
+            <a:avLst/>
+          </a:prstGeom>
+        </p:spPr>
+      </p:pic>
+      <p:sp>
+        <p:nvSpPr>
+          <p:cNvPr id="74" name="矩形 73"/>
+          <p:cNvSpPr/>
+          <p:nvPr/>
+        </p:nvSpPr>
+        <p:spPr>
+          <a:xfrm>
+            <a:off x="5895" y="2587803"/>
+            <a:ext cx="3701874" cy="4525465"/>
+          </a:xfrm>
+          <a:prstGeom prst="rect">
             <a:avLst/>
           </a:prstGeom>
           <a:solidFill>
@@ -3252,12 +3634,8 @@
               <a:lumOff val="80000"/>
             </a:schemeClr>
           </a:solidFill>
-          <a:ln w="19050" cmpd="sng">
-            <a:solidFill>
-              <a:schemeClr val="accent3">
-                <a:lumMod val="75000"/>
-              </a:schemeClr>
-            </a:solidFill>
+          <a:ln>
+            <a:noFill/>
           </a:ln>
           <a:effectLst/>
         </p:spPr>
@@ -3280,376 +3658,13 @@
           <a:lstStyle/>
           <a:p>
             <a:pPr algn="ctr"/>
-            <a:r>
-              <a:rPr kumimoji="1" lang="en-US" altLang="zh-TW" sz="1100" b="1" dirty="0">
-                <a:solidFill>
-                  <a:srgbClr val="663333"/>
-                </a:solidFill>
-                <a:effectLst/>
-                <a:latin typeface="SFNS Display"/>
-                <a:cs typeface="SFNS Display"/>
-              </a:rPr>
-              <a:t>Home</a:t>
-            </a:r>
-            <a:endParaRPr kumimoji="1" lang="zh-TW" altLang="en-US" sz="1100" b="1" dirty="0">
-              <a:solidFill>
-                <a:srgbClr val="663333"/>
-              </a:solidFill>
-              <a:effectLst/>
-              <a:latin typeface="SFNS Display"/>
-              <a:cs typeface="SFNS Display"/>
-            </a:endParaRPr>
-          </a:p>
-        </p:txBody>
-      </p:sp>
-      <p:sp>
-        <p:nvSpPr>
-          <p:cNvPr id="85" name="圓角矩形 84"/>
-          <p:cNvSpPr>
-            <a:spLocks/>
-          </p:cNvSpPr>
-          <p:nvPr/>
-        </p:nvSpPr>
-        <p:spPr>
-          <a:xfrm>
-            <a:off x="2798857" y="785724"/>
-            <a:ext cx="810000" cy="216000"/>
-          </a:xfrm>
-          <a:prstGeom prst="roundRect">
-            <a:avLst/>
-          </a:prstGeom>
-          <a:solidFill>
-            <a:srgbClr val="EBF1DE"/>
-          </a:solidFill>
-          <a:ln w="19050" cmpd="sng">
-            <a:solidFill>
-              <a:schemeClr val="accent3">
-                <a:lumMod val="75000"/>
-              </a:schemeClr>
-            </a:solidFill>
-          </a:ln>
-          <a:effectLst/>
-        </p:spPr>
-        <p:style>
-          <a:lnRef idx="1">
-            <a:schemeClr val="accent1"/>
-          </a:lnRef>
-          <a:fillRef idx="3">
-            <a:schemeClr val="accent1"/>
-          </a:fillRef>
-          <a:effectRef idx="2">
-            <a:schemeClr val="accent1"/>
-          </a:effectRef>
-          <a:fontRef idx="minor">
-            <a:schemeClr val="lt1"/>
-          </a:fontRef>
-        </p:style>
-        <p:txBody>
-          <a:bodyPr rtlCol="0" anchor="ctr"/>
-          <a:lstStyle/>
-          <a:p>
-            <a:pPr algn="ctr"/>
-            <a:r>
-              <a:rPr kumimoji="1" lang="en-US" altLang="zh-TW" sz="1100" b="1" dirty="0" smtClean="0">
-                <a:solidFill>
-                  <a:srgbClr val="663333"/>
-                </a:solidFill>
-                <a:effectLst/>
-                <a:latin typeface="SFNS Display"/>
-                <a:cs typeface="SFNS Display"/>
-              </a:rPr>
-              <a:t>About Us</a:t>
-            </a:r>
-            <a:endParaRPr kumimoji="1" lang="zh-TW" altLang="en-US" sz="1100" b="1" dirty="0">
-              <a:solidFill>
-                <a:srgbClr val="663333"/>
-              </a:solidFill>
-              <a:effectLst/>
-              <a:latin typeface="SFNS Display"/>
-              <a:cs typeface="SFNS Display"/>
-            </a:endParaRPr>
-          </a:p>
-        </p:txBody>
-      </p:sp>
-      <p:sp>
-        <p:nvSpPr>
-          <p:cNvPr id="86" name="圓角矩形 85"/>
-          <p:cNvSpPr>
-            <a:spLocks/>
-          </p:cNvSpPr>
-          <p:nvPr/>
-        </p:nvSpPr>
-        <p:spPr>
-          <a:xfrm>
-            <a:off x="994521" y="785724"/>
-            <a:ext cx="810000" cy="216000"/>
-          </a:xfrm>
-          <a:prstGeom prst="roundRect">
-            <a:avLst/>
-          </a:prstGeom>
-          <a:solidFill>
-            <a:srgbClr val="EBF1DE"/>
-          </a:solidFill>
-          <a:ln w="19050" cmpd="sng">
-            <a:solidFill>
-              <a:schemeClr val="accent3">
-                <a:lumMod val="75000"/>
-              </a:schemeClr>
-            </a:solidFill>
-          </a:ln>
-          <a:effectLst/>
-        </p:spPr>
-        <p:style>
-          <a:lnRef idx="1">
-            <a:schemeClr val="accent1"/>
-          </a:lnRef>
-          <a:fillRef idx="3">
-            <a:schemeClr val="accent1"/>
-          </a:fillRef>
-          <a:effectRef idx="2">
-            <a:schemeClr val="accent1"/>
-          </a:effectRef>
-          <a:fontRef idx="minor">
-            <a:schemeClr val="lt1"/>
-          </a:fontRef>
-        </p:style>
-        <p:txBody>
-          <a:bodyPr rtlCol="0" anchor="ctr"/>
-          <a:lstStyle/>
-          <a:p>
-            <a:pPr algn="ctr"/>
-            <a:r>
-              <a:rPr kumimoji="1" lang="en-US" altLang="zh-TW" sz="1100" b="1" dirty="0" smtClean="0">
-                <a:solidFill>
-                  <a:srgbClr val="663333"/>
-                </a:solidFill>
-                <a:effectLst/>
-                <a:latin typeface="SFNS Display"/>
-                <a:cs typeface="SFNS Display"/>
-              </a:rPr>
-              <a:t>Portfolio</a:t>
-            </a:r>
-            <a:endParaRPr kumimoji="1" lang="zh-TW" altLang="en-US" sz="1100" b="1" dirty="0">
-              <a:solidFill>
-                <a:srgbClr val="663333"/>
-              </a:solidFill>
-              <a:effectLst/>
-              <a:latin typeface="SFNS Display"/>
-              <a:cs typeface="SFNS Display"/>
-            </a:endParaRPr>
-          </a:p>
-        </p:txBody>
-      </p:sp>
-      <p:sp>
-        <p:nvSpPr>
-          <p:cNvPr id="87" name="圓角矩形 86"/>
-          <p:cNvSpPr>
-            <a:spLocks/>
-          </p:cNvSpPr>
-          <p:nvPr/>
-        </p:nvSpPr>
-        <p:spPr>
-          <a:xfrm>
-            <a:off x="1896689" y="785724"/>
-            <a:ext cx="810000" cy="216000"/>
-          </a:xfrm>
-          <a:prstGeom prst="roundRect">
-            <a:avLst/>
-          </a:prstGeom>
-          <a:solidFill>
-            <a:srgbClr val="EBF1DE"/>
-          </a:solidFill>
-          <a:ln w="19050" cmpd="sng">
-            <a:solidFill>
-              <a:schemeClr val="accent3">
-                <a:lumMod val="75000"/>
-              </a:schemeClr>
-            </a:solidFill>
-          </a:ln>
-          <a:effectLst/>
-        </p:spPr>
-        <p:style>
-          <a:lnRef idx="1">
-            <a:schemeClr val="accent1"/>
-          </a:lnRef>
-          <a:fillRef idx="3">
-            <a:schemeClr val="accent1"/>
-          </a:fillRef>
-          <a:effectRef idx="2">
-            <a:schemeClr val="accent1"/>
-          </a:effectRef>
-          <a:fontRef idx="minor">
-            <a:schemeClr val="lt1"/>
-          </a:fontRef>
-        </p:style>
-        <p:txBody>
-          <a:bodyPr rtlCol="0" anchor="ctr"/>
-          <a:lstStyle/>
-          <a:p>
-            <a:pPr algn="ctr"/>
-            <a:r>
-              <a:rPr kumimoji="1" lang="en-US" altLang="zh-TW" sz="1100" b="1" dirty="0" smtClean="0">
-                <a:solidFill>
-                  <a:srgbClr val="663333"/>
-                </a:solidFill>
-                <a:effectLst/>
-                <a:latin typeface="SFNS Display"/>
-                <a:cs typeface="SFNS Display"/>
-              </a:rPr>
-              <a:t>Links</a:t>
-            </a:r>
-            <a:endParaRPr kumimoji="1" lang="zh-TW" altLang="en-US" sz="1100" b="1" dirty="0">
-              <a:solidFill>
-                <a:srgbClr val="663333"/>
-              </a:solidFill>
-              <a:effectLst/>
-              <a:latin typeface="SFNS Display"/>
-              <a:cs typeface="SFNS Display"/>
-            </a:endParaRPr>
+            <a:endParaRPr kumimoji="1" lang="zh-TW" altLang="en-US"/>
           </a:p>
         </p:txBody>
       </p:sp>
       <p:pic>
         <p:nvPicPr>
-          <p:cNvPr id="88" name="圖片 87" descr="icon_Facebook.png"/>
-          <p:cNvPicPr>
-            <a:picLocks noChangeAspect="1"/>
-          </p:cNvPicPr>
-          <p:nvPr/>
-        </p:nvPicPr>
-        <p:blipFill>
-          <a:blip r:embed="rId3">
-            <a:extLst>
-              <a:ext uri="{28A0092B-C50C-407E-A947-70E740481C1C}">
-                <a14:useLocalDpi xmlns:a14="http://schemas.microsoft.com/office/drawing/2010/main" val="0"/>
-              </a:ext>
-            </a:extLst>
-          </a:blip>
-          <a:stretch>
-            <a:fillRect/>
-          </a:stretch>
-        </p:blipFill>
-        <p:spPr>
-          <a:xfrm>
-            <a:off x="2801591" y="233690"/>
-            <a:ext cx="216000" cy="216000"/>
-          </a:xfrm>
-          <a:prstGeom prst="rect">
-            <a:avLst/>
-          </a:prstGeom>
-        </p:spPr>
-      </p:pic>
-      <p:pic>
-        <p:nvPicPr>
-          <p:cNvPr id="89" name="圖片 88" descr="icon_Instagram.png"/>
-          <p:cNvPicPr>
-            <a:picLocks noChangeAspect="1"/>
-          </p:cNvPicPr>
-          <p:nvPr/>
-        </p:nvPicPr>
-        <p:blipFill>
-          <a:blip r:embed="rId4">
-            <a:extLst>
-              <a:ext uri="{28A0092B-C50C-407E-A947-70E740481C1C}">
-                <a14:useLocalDpi xmlns:a14="http://schemas.microsoft.com/office/drawing/2010/main" val="0"/>
-              </a:ext>
-            </a:extLst>
-          </a:blip>
-          <a:stretch>
-            <a:fillRect/>
-          </a:stretch>
-        </p:blipFill>
-        <p:spPr>
-          <a:xfrm>
-            <a:off x="3092810" y="233690"/>
-            <a:ext cx="216000" cy="216000"/>
-          </a:xfrm>
-          <a:prstGeom prst="rect">
-            <a:avLst/>
-          </a:prstGeom>
-        </p:spPr>
-      </p:pic>
-      <p:pic>
-        <p:nvPicPr>
-          <p:cNvPr id="90" name="圖片 89" descr="icon_Twitter.png"/>
-          <p:cNvPicPr>
-            <a:picLocks noChangeAspect="1"/>
-          </p:cNvPicPr>
-          <p:nvPr/>
-        </p:nvPicPr>
-        <p:blipFill>
-          <a:blip r:embed="rId5">
-            <a:extLst>
-              <a:ext uri="{28A0092B-C50C-407E-A947-70E740481C1C}">
-                <a14:useLocalDpi xmlns:a14="http://schemas.microsoft.com/office/drawing/2010/main" val="0"/>
-              </a:ext>
-            </a:extLst>
-          </a:blip>
-          <a:stretch>
-            <a:fillRect/>
-          </a:stretch>
-        </p:blipFill>
-        <p:spPr>
-          <a:xfrm>
-            <a:off x="3384028" y="233690"/>
-            <a:ext cx="216000" cy="216000"/>
-          </a:xfrm>
-          <a:prstGeom prst="rect">
-            <a:avLst/>
-          </a:prstGeom>
-        </p:spPr>
-      </p:pic>
-      <p:sp>
-        <p:nvSpPr>
-          <p:cNvPr id="91" name="矩形 90"/>
-          <p:cNvSpPr/>
-          <p:nvPr/>
-        </p:nvSpPr>
-        <p:spPr>
-          <a:xfrm>
-            <a:off x="1850" y="1145723"/>
-            <a:ext cx="3701874" cy="4525465"/>
-          </a:xfrm>
-          <a:prstGeom prst="rect">
-            <a:avLst/>
-          </a:prstGeom>
-          <a:solidFill>
-            <a:schemeClr val="accent3">
-              <a:lumMod val="20000"/>
-              <a:lumOff val="80000"/>
-            </a:schemeClr>
-          </a:solidFill>
-          <a:ln>
-            <a:noFill/>
-          </a:ln>
-          <a:effectLst/>
-        </p:spPr>
-        <p:style>
-          <a:lnRef idx="1">
-            <a:schemeClr val="accent1"/>
-          </a:lnRef>
-          <a:fillRef idx="3">
-            <a:schemeClr val="accent1"/>
-          </a:fillRef>
-          <a:effectRef idx="2">
-            <a:schemeClr val="accent1"/>
-          </a:effectRef>
-          <a:fontRef idx="minor">
-            <a:schemeClr val="lt1"/>
-          </a:fontRef>
-        </p:style>
-        <p:txBody>
-          <a:bodyPr rtlCol="0" anchor="ctr"/>
-          <a:lstStyle/>
-          <a:p>
-            <a:pPr algn="ctr"/>
-            <a:endParaRPr kumimoji="1" lang="zh-TW" altLang="en-US"/>
-          </a:p>
-        </p:txBody>
-      </p:sp>
-      <p:pic>
-        <p:nvPicPr>
-          <p:cNvPr id="92" name="圖片 91" descr="garden-dog-pet.jpg"/>
+          <p:cNvPr id="75" name="圖片 74" descr="garden-dog-pet.jpg"/>
           <p:cNvPicPr>
             <a:picLocks noChangeAspect="1"/>
           </p:cNvPicPr>
@@ -3668,7 +3683,7 @@
         </p:blipFill>
         <p:spPr>
           <a:xfrm>
-            <a:off x="123014" y="4610732"/>
+            <a:off x="127059" y="6052812"/>
             <a:ext cx="939348" cy="900000"/>
           </a:xfrm>
           <a:prstGeom prst="rect">
@@ -3678,7 +3693,7 @@
       </p:pic>
       <p:pic>
         <p:nvPicPr>
-          <p:cNvPr id="93" name="圖片 92" descr="pexels-photo2.jpg"/>
+          <p:cNvPr id="76" name="圖片 75" descr="pexels-photo2.jpg"/>
           <p:cNvPicPr>
             <a:picLocks noChangeAspect="1"/>
           </p:cNvPicPr>
@@ -3697,7 +3712,7 @@
         </p:blipFill>
         <p:spPr>
           <a:xfrm>
-            <a:off x="123014" y="3504853"/>
+            <a:off x="127063" y="4946933"/>
             <a:ext cx="932393" cy="900000"/>
           </a:xfrm>
           <a:prstGeom prst="rect">
@@ -3707,7 +3722,7 @@
       </p:pic>
       <p:pic>
         <p:nvPicPr>
-          <p:cNvPr id="94" name="圖片 93" descr="pexels-photo-51439.jpg"/>
+          <p:cNvPr id="77" name="圖片 76" descr="pexels-photo-51439.jpg"/>
           <p:cNvPicPr>
             <a:picLocks noChangeAspect="1"/>
           </p:cNvPicPr>
@@ -3726,7 +3741,7 @@
         </p:blipFill>
         <p:spPr>
           <a:xfrm>
-            <a:off x="123014" y="2398975"/>
+            <a:off x="127063" y="3841055"/>
             <a:ext cx="933531" cy="900000"/>
           </a:xfrm>
           <a:prstGeom prst="rect">
@@ -3736,7 +3751,7 @@
       </p:pic>
       <p:pic>
         <p:nvPicPr>
-          <p:cNvPr id="95" name="圖片 94" descr="pexels-photo.jpg"/>
+          <p:cNvPr id="78" name="圖片 77" descr="pexels-photo.jpg"/>
           <p:cNvPicPr>
             <a:picLocks noChangeAspect="1"/>
           </p:cNvPicPr>
@@ -3755,7 +3770,7 @@
         </p:blipFill>
         <p:spPr>
           <a:xfrm>
-            <a:off x="123014" y="1293097"/>
+            <a:off x="127063" y="2735177"/>
             <a:ext cx="932393" cy="900000"/>
           </a:xfrm>
           <a:prstGeom prst="rect">
@@ -3765,13 +3780,13 @@
       </p:pic>
       <p:sp>
         <p:nvSpPr>
-          <p:cNvPr id="96" name="文字方塊 95"/>
+          <p:cNvPr id="79" name="文字方塊 78"/>
           <p:cNvSpPr txBox="1"/>
           <p:nvPr/>
         </p:nvSpPr>
         <p:spPr>
           <a:xfrm>
-            <a:off x="1062021" y="1246904"/>
+            <a:off x="1066070" y="2688986"/>
             <a:ext cx="944011" cy="307777"/>
           </a:xfrm>
           <a:prstGeom prst="rect">
@@ -3807,13 +3822,13 @@
       </p:sp>
       <p:sp>
         <p:nvSpPr>
-          <p:cNvPr id="97" name="文字方塊 96"/>
+          <p:cNvPr id="80" name="文字方塊 79"/>
           <p:cNvSpPr txBox="1"/>
           <p:nvPr/>
         </p:nvSpPr>
         <p:spPr>
           <a:xfrm>
-            <a:off x="1062021" y="1481925"/>
+            <a:off x="1066066" y="2924005"/>
             <a:ext cx="1051650" cy="230832"/>
           </a:xfrm>
           <a:prstGeom prst="rect">
@@ -3850,13 +3865,13 @@
       </p:sp>
       <p:sp>
         <p:nvSpPr>
-          <p:cNvPr id="98" name="文字方塊 97"/>
+          <p:cNvPr id="112" name="文字方塊 111"/>
           <p:cNvSpPr txBox="1"/>
           <p:nvPr/>
         </p:nvSpPr>
         <p:spPr>
           <a:xfrm>
-            <a:off x="1062021" y="1691023"/>
+            <a:off x="1066070" y="3133103"/>
             <a:ext cx="2414531" cy="400110"/>
           </a:xfrm>
           <a:prstGeom prst="rect">
@@ -3892,13 +3907,13 @@
       </p:sp>
       <p:sp>
         <p:nvSpPr>
-          <p:cNvPr id="99" name="文字方塊 98"/>
+          <p:cNvPr id="113" name="文字方塊 112"/>
           <p:cNvSpPr txBox="1"/>
           <p:nvPr/>
         </p:nvSpPr>
         <p:spPr>
           <a:xfrm>
-            <a:off x="1066888" y="2352782"/>
+            <a:off x="1070937" y="3794863"/>
             <a:ext cx="944011" cy="307777"/>
           </a:xfrm>
           <a:prstGeom prst="rect">
@@ -3934,13 +3949,13 @@
       </p:sp>
       <p:sp>
         <p:nvSpPr>
-          <p:cNvPr id="100" name="文字方塊 99"/>
+          <p:cNvPr id="114" name="文字方塊 113"/>
           <p:cNvSpPr txBox="1"/>
           <p:nvPr/>
         </p:nvSpPr>
         <p:spPr>
           <a:xfrm>
-            <a:off x="1066888" y="2587803"/>
+            <a:off x="1070933" y="4029883"/>
             <a:ext cx="1051650" cy="230832"/>
           </a:xfrm>
           <a:prstGeom prst="rect">
@@ -3977,13 +3992,13 @@
       </p:sp>
       <p:sp>
         <p:nvSpPr>
-          <p:cNvPr id="101" name="文字方塊 100"/>
+          <p:cNvPr id="115" name="文字方塊 114"/>
           <p:cNvSpPr txBox="1"/>
           <p:nvPr/>
         </p:nvSpPr>
         <p:spPr>
           <a:xfrm>
-            <a:off x="1066888" y="2796901"/>
+            <a:off x="1070937" y="4238981"/>
             <a:ext cx="2414531" cy="400110"/>
           </a:xfrm>
           <a:prstGeom prst="rect">
@@ -4019,13 +4034,13 @@
       </p:sp>
       <p:sp>
         <p:nvSpPr>
-          <p:cNvPr id="102" name="文字方塊 101"/>
+          <p:cNvPr id="116" name="文字方塊 115"/>
           <p:cNvSpPr txBox="1"/>
           <p:nvPr/>
         </p:nvSpPr>
         <p:spPr>
           <a:xfrm>
-            <a:off x="1066888" y="3458660"/>
+            <a:off x="1070937" y="4900742"/>
             <a:ext cx="944011" cy="307777"/>
           </a:xfrm>
           <a:prstGeom prst="rect">
@@ -4061,13 +4076,13 @@
       </p:sp>
       <p:sp>
         <p:nvSpPr>
-          <p:cNvPr id="103" name="文字方塊 102"/>
+          <p:cNvPr id="117" name="文字方塊 116"/>
           <p:cNvSpPr txBox="1"/>
           <p:nvPr/>
         </p:nvSpPr>
         <p:spPr>
           <a:xfrm>
-            <a:off x="1066888" y="3693681"/>
+            <a:off x="1070933" y="5135761"/>
             <a:ext cx="1051650" cy="230832"/>
           </a:xfrm>
           <a:prstGeom prst="rect">
@@ -4104,13 +4119,13 @@
       </p:sp>
       <p:sp>
         <p:nvSpPr>
-          <p:cNvPr id="104" name="文字方塊 103"/>
+          <p:cNvPr id="118" name="文字方塊 117"/>
           <p:cNvSpPr txBox="1"/>
           <p:nvPr/>
         </p:nvSpPr>
         <p:spPr>
           <a:xfrm>
-            <a:off x="1066888" y="3902779"/>
+            <a:off x="1070937" y="5344859"/>
             <a:ext cx="2414531" cy="400110"/>
           </a:xfrm>
           <a:prstGeom prst="rect">
@@ -4146,13 +4161,13 @@
       </p:sp>
       <p:sp>
         <p:nvSpPr>
-          <p:cNvPr id="105" name="文字方塊 104"/>
+          <p:cNvPr id="119" name="文字方塊 118"/>
           <p:cNvSpPr txBox="1"/>
           <p:nvPr/>
         </p:nvSpPr>
         <p:spPr>
           <a:xfrm>
-            <a:off x="1072355" y="4564539"/>
+            <a:off x="1076404" y="6006620"/>
             <a:ext cx="944011" cy="307777"/>
           </a:xfrm>
           <a:prstGeom prst="rect">
@@ -4188,13 +4203,13 @@
       </p:sp>
       <p:sp>
         <p:nvSpPr>
-          <p:cNvPr id="106" name="文字方塊 105"/>
+          <p:cNvPr id="120" name="文字方塊 119"/>
           <p:cNvSpPr txBox="1"/>
           <p:nvPr/>
         </p:nvSpPr>
         <p:spPr>
           <a:xfrm>
-            <a:off x="1072355" y="4799560"/>
+            <a:off x="1076400" y="6241640"/>
             <a:ext cx="1051650" cy="230832"/>
           </a:xfrm>
           <a:prstGeom prst="rect">
@@ -4231,13 +4246,13 @@
       </p:sp>
       <p:sp>
         <p:nvSpPr>
-          <p:cNvPr id="107" name="文字方塊 106"/>
+          <p:cNvPr id="121" name="文字方塊 120"/>
           <p:cNvSpPr txBox="1"/>
           <p:nvPr/>
         </p:nvSpPr>
         <p:spPr>
           <a:xfrm>
-            <a:off x="1072355" y="5008658"/>
+            <a:off x="1076404" y="6450738"/>
             <a:ext cx="2414531" cy="400110"/>
           </a:xfrm>
           <a:prstGeom prst="rect">
@@ -4273,13 +4288,13 @@
       </p:sp>
       <p:sp>
         <p:nvSpPr>
-          <p:cNvPr id="108" name="矩形 107"/>
+          <p:cNvPr id="122" name="矩形 121"/>
           <p:cNvSpPr/>
           <p:nvPr/>
         </p:nvSpPr>
         <p:spPr>
           <a:xfrm>
-            <a:off x="971" y="5660171"/>
+            <a:off x="5016" y="7102253"/>
             <a:ext cx="3708000" cy="289423"/>
           </a:xfrm>
           <a:prstGeom prst="rect">
@@ -4318,13 +4333,13 @@
       </p:sp>
       <p:sp>
         <p:nvSpPr>
-          <p:cNvPr id="109" name="文字方塊 108"/>
+          <p:cNvPr id="123" name="文字方塊 122"/>
           <p:cNvSpPr txBox="1"/>
           <p:nvPr/>
         </p:nvSpPr>
         <p:spPr>
           <a:xfrm>
-            <a:off x="60862" y="5671189"/>
+            <a:off x="64907" y="7113271"/>
             <a:ext cx="1196560" cy="246221"/>
           </a:xfrm>
           <a:prstGeom prst="rect">
@@ -4366,13 +4381,13 @@
       </p:sp>
       <p:sp>
         <p:nvSpPr>
-          <p:cNvPr id="110" name="文字方塊 109"/>
+          <p:cNvPr id="124" name="文字方塊 123"/>
           <p:cNvSpPr txBox="1"/>
           <p:nvPr/>
         </p:nvSpPr>
         <p:spPr>
           <a:xfrm>
-            <a:off x="1727964" y="5671189"/>
+            <a:off x="1732013" y="7113271"/>
             <a:ext cx="1940269" cy="246221"/>
           </a:xfrm>
           <a:prstGeom prst="rect">
@@ -4409,7 +4424,7 @@
       </p:sp>
       <p:pic>
         <p:nvPicPr>
-          <p:cNvPr id="111" name="圖片 110" descr="1463483461_menu-alt.png"/>
+          <p:cNvPr id="125" name="圖片 124" descr="1463483461_menu-alt.png"/>
           <p:cNvPicPr>
             <a:picLocks noChangeAspect="1"/>
           </p:cNvPicPr>
@@ -4419,7 +4434,7 @@
           <a:blip r:embed="rId10">
             <a:extLst>
               <a:ext uri="{28A0092B-C50C-407E-A947-70E740481C1C}">
-                <a14:useLocalDpi xmlns:a14="http://schemas.microsoft.com/office/drawing/2010/main" val="0"/>
+                <a14:useLocalDpi xmlns:a14="http://schemas.microsoft.com/office/drawing/2010/main"/>
               </a:ext>
             </a:extLst>
           </a:blip>
@@ -4437,6 +4452,170 @@
           </a:prstGeom>
         </p:spPr>
       </p:pic>
+      <p:grpSp>
+        <p:nvGrpSpPr>
+          <p:cNvPr id="126" name="群組 125"/>
+          <p:cNvGrpSpPr>
+            <a:grpSpLocks noChangeAspect="1"/>
+          </p:cNvGrpSpPr>
+          <p:nvPr/>
+        </p:nvGrpSpPr>
+        <p:grpSpPr>
+          <a:xfrm>
+            <a:off x="-7762" y="1145724"/>
+            <a:ext cx="3729700" cy="1442079"/>
+            <a:chOff x="1254382" y="1039174"/>
+            <a:chExt cx="3575153" cy="1382324"/>
+          </a:xfrm>
+        </p:grpSpPr>
+        <p:pic>
+          <p:nvPicPr>
+            <p:cNvPr id="127" name="圖片 126" descr="pexels-photo-31025.jpg"/>
+            <p:cNvPicPr>
+              <a:picLocks noChangeAspect="1"/>
+            </p:cNvPicPr>
+            <p:nvPr/>
+          </p:nvPicPr>
+          <p:blipFill rotWithShape="1">
+            <a:blip r:embed="rId11" cstate="email">
+              <a:extLst>
+                <a:ext uri="{28A0092B-C50C-407E-A947-70E740481C1C}">
+                  <a14:useLocalDpi xmlns:a14="http://schemas.microsoft.com/office/drawing/2010/main"/>
+                </a:ext>
+              </a:extLst>
+            </a:blip>
+            <a:srcRect l="27610" r="9023"/>
+            <a:stretch/>
+          </p:blipFill>
+          <p:spPr>
+            <a:xfrm>
+              <a:off x="1254382" y="1039174"/>
+              <a:ext cx="3575152" cy="1380331"/>
+            </a:xfrm>
+            <a:prstGeom prst="rect">
+              <a:avLst/>
+            </a:prstGeom>
+          </p:spPr>
+        </p:pic>
+        <p:sp>
+          <p:nvSpPr>
+            <p:cNvPr id="128" name="矩形 127"/>
+            <p:cNvSpPr/>
+            <p:nvPr/>
+          </p:nvSpPr>
+          <p:spPr>
+            <a:xfrm>
+              <a:off x="1254382" y="1041167"/>
+              <a:ext cx="3575153" cy="1380331"/>
+            </a:xfrm>
+            <a:prstGeom prst="rect">
+              <a:avLst/>
+            </a:prstGeom>
+            <a:gradFill>
+              <a:gsLst>
+                <a:gs pos="0">
+                  <a:schemeClr val="tx1">
+                    <a:alpha val="50000"/>
+                  </a:schemeClr>
+                </a:gs>
+                <a:gs pos="100000">
+                  <a:schemeClr val="bg1">
+                    <a:alpha val="0"/>
+                  </a:schemeClr>
+                </a:gs>
+                <a:gs pos="46000">
+                  <a:schemeClr val="accent3">
+                    <a:lumMod val="75000"/>
+                    <a:alpha val="20000"/>
+                  </a:schemeClr>
+                </a:gs>
+              </a:gsLst>
+              <a:lin ang="3600000" scaled="0"/>
+            </a:gradFill>
+            <a:ln>
+              <a:noFill/>
+            </a:ln>
+          </p:spPr>
+          <p:style>
+            <a:lnRef idx="1">
+              <a:schemeClr val="accent1"/>
+            </a:lnRef>
+            <a:fillRef idx="3">
+              <a:schemeClr val="accent1"/>
+            </a:fillRef>
+            <a:effectRef idx="2">
+              <a:schemeClr val="accent1"/>
+            </a:effectRef>
+            <a:fontRef idx="minor">
+              <a:schemeClr val="lt1"/>
+            </a:fontRef>
+          </p:style>
+          <p:txBody>
+            <a:bodyPr rtlCol="0" anchor="ctr"/>
+            <a:lstStyle/>
+            <a:p>
+              <a:pPr algn="ctr"/>
+              <a:endParaRPr kumimoji="1" lang="zh-TW" altLang="en-US"/>
+            </a:p>
+          </p:txBody>
+        </p:sp>
+      </p:grpSp>
+      <p:sp>
+        <p:nvSpPr>
+          <p:cNvPr id="129" name="文字方塊 128"/>
+          <p:cNvSpPr txBox="1"/>
+          <p:nvPr/>
+        </p:nvSpPr>
+        <p:spPr>
+          <a:xfrm>
+            <a:off x="127059" y="1359028"/>
+            <a:ext cx="1845465" cy="954107"/>
+          </a:xfrm>
+          <a:prstGeom prst="rect">
+            <a:avLst/>
+          </a:prstGeom>
+          <a:noFill/>
+        </p:spPr>
+        <p:txBody>
+          <a:bodyPr wrap="none" rtlCol="0">
+            <a:spAutoFit/>
+          </a:bodyPr>
+          <a:lstStyle/>
+          <a:p>
+            <a:r>
+              <a:rPr lang="en-US" altLang="zh-TW" sz="2800" b="1" i="1" dirty="0">
+                <a:solidFill>
+                  <a:srgbClr val="E8DDCF"/>
+                </a:solidFill>
+              </a:rPr>
+              <a:t>Adopt</a:t>
+            </a:r>
+            <a:r>
+              <a:rPr lang="en-US" altLang="zh-TW" sz="2800" b="1" i="1" dirty="0" smtClean="0">
+                <a:solidFill>
+                  <a:srgbClr val="E8DDCF"/>
+                </a:solidFill>
+              </a:rPr>
+              <a:t>,</a:t>
+            </a:r>
+          </a:p>
+          <a:p>
+            <a:r>
+              <a:rPr lang="en-US" altLang="zh-TW" sz="2800" b="1" i="1" dirty="0" smtClean="0">
+                <a:solidFill>
+                  <a:srgbClr val="E8DDCF"/>
+                </a:solidFill>
+              </a:rPr>
+              <a:t>Don't Buy! </a:t>
+            </a:r>
+            <a:endParaRPr kumimoji="1" lang="zh-TW" altLang="en-US" sz="2800" b="1" i="1" dirty="0">
+              <a:solidFill>
+                <a:srgbClr val="E8DDCF"/>
+              </a:solidFill>
+            </a:endParaRPr>
+          </a:p>
+        </p:txBody>
+      </p:sp>
     </p:spTree>
     <p:extLst>
       <p:ext uri="{BB962C8B-B14F-4D97-AF65-F5344CB8AC3E}">

--- a/M_RWD_Design_傅意茹.pptx
+++ b/M_RWD_Design_傅意茹.pptx
@@ -288,7 +288,7 @@
           <a:p>
             <a:fld id="{58B3F3ED-7A63-6541-B692-78FDCC0CB9E1}" type="datetimeFigureOut">
               <a:rPr kumimoji="1" lang="zh-TW" altLang="en-US" smtClean="0"/>
-              <a:t>2016/5/18</a:t>
+              <a:t>2016/5/22</a:t>
             </a:fld>
             <a:endParaRPr kumimoji="1" lang="zh-TW" altLang="en-US"/>
           </a:p>
@@ -458,7 +458,7 @@
           <a:p>
             <a:fld id="{58B3F3ED-7A63-6541-B692-78FDCC0CB9E1}" type="datetimeFigureOut">
               <a:rPr kumimoji="1" lang="zh-TW" altLang="en-US" smtClean="0"/>
-              <a:t>2016/5/18</a:t>
+              <a:t>2016/5/22</a:t>
             </a:fld>
             <a:endParaRPr kumimoji="1" lang="zh-TW" altLang="en-US"/>
           </a:p>
@@ -638,7 +638,7 @@
           <a:p>
             <a:fld id="{58B3F3ED-7A63-6541-B692-78FDCC0CB9E1}" type="datetimeFigureOut">
               <a:rPr kumimoji="1" lang="zh-TW" altLang="en-US" smtClean="0"/>
-              <a:t>2016/5/18</a:t>
+              <a:t>2016/5/22</a:t>
             </a:fld>
             <a:endParaRPr kumimoji="1" lang="zh-TW" altLang="en-US"/>
           </a:p>
@@ -808,7 +808,7 @@
           <a:p>
             <a:fld id="{58B3F3ED-7A63-6541-B692-78FDCC0CB9E1}" type="datetimeFigureOut">
               <a:rPr kumimoji="1" lang="zh-TW" altLang="en-US" smtClean="0"/>
-              <a:t>2016/5/18</a:t>
+              <a:t>2016/5/22</a:t>
             </a:fld>
             <a:endParaRPr kumimoji="1" lang="zh-TW" altLang="en-US"/>
           </a:p>
@@ -1054,7 +1054,7 @@
           <a:p>
             <a:fld id="{58B3F3ED-7A63-6541-B692-78FDCC0CB9E1}" type="datetimeFigureOut">
               <a:rPr kumimoji="1" lang="zh-TW" altLang="en-US" smtClean="0"/>
-              <a:t>2016/5/18</a:t>
+              <a:t>2016/5/22</a:t>
             </a:fld>
             <a:endParaRPr kumimoji="1" lang="zh-TW" altLang="en-US"/>
           </a:p>
@@ -1342,7 +1342,7 @@
           <a:p>
             <a:fld id="{58B3F3ED-7A63-6541-B692-78FDCC0CB9E1}" type="datetimeFigureOut">
               <a:rPr kumimoji="1" lang="zh-TW" altLang="en-US" smtClean="0"/>
-              <a:t>2016/5/18</a:t>
+              <a:t>2016/5/22</a:t>
             </a:fld>
             <a:endParaRPr kumimoji="1" lang="zh-TW" altLang="en-US"/>
           </a:p>
@@ -1769,7 +1769,7 @@
           <a:p>
             <a:fld id="{58B3F3ED-7A63-6541-B692-78FDCC0CB9E1}" type="datetimeFigureOut">
               <a:rPr kumimoji="1" lang="zh-TW" altLang="en-US" smtClean="0"/>
-              <a:t>2016/5/18</a:t>
+              <a:t>2016/5/22</a:t>
             </a:fld>
             <a:endParaRPr kumimoji="1" lang="zh-TW" altLang="en-US"/>
           </a:p>
@@ -1887,7 +1887,7 @@
           <a:p>
             <a:fld id="{58B3F3ED-7A63-6541-B692-78FDCC0CB9E1}" type="datetimeFigureOut">
               <a:rPr kumimoji="1" lang="zh-TW" altLang="en-US" smtClean="0"/>
-              <a:t>2016/5/18</a:t>
+              <a:t>2016/5/22</a:t>
             </a:fld>
             <a:endParaRPr kumimoji="1" lang="zh-TW" altLang="en-US"/>
           </a:p>
@@ -1982,7 +1982,7 @@
           <a:p>
             <a:fld id="{58B3F3ED-7A63-6541-B692-78FDCC0CB9E1}" type="datetimeFigureOut">
               <a:rPr kumimoji="1" lang="zh-TW" altLang="en-US" smtClean="0"/>
-              <a:t>2016/5/18</a:t>
+              <a:t>2016/5/22</a:t>
             </a:fld>
             <a:endParaRPr kumimoji="1" lang="zh-TW" altLang="en-US"/>
           </a:p>
@@ -2259,7 +2259,7 @@
           <a:p>
             <a:fld id="{58B3F3ED-7A63-6541-B692-78FDCC0CB9E1}" type="datetimeFigureOut">
               <a:rPr kumimoji="1" lang="zh-TW" altLang="en-US" smtClean="0"/>
-              <a:t>2016/5/18</a:t>
+              <a:t>2016/5/22</a:t>
             </a:fld>
             <a:endParaRPr kumimoji="1" lang="zh-TW" altLang="en-US"/>
           </a:p>
@@ -2512,7 +2512,7 @@
           <a:p>
             <a:fld id="{58B3F3ED-7A63-6541-B692-78FDCC0CB9E1}" type="datetimeFigureOut">
               <a:rPr kumimoji="1" lang="zh-TW" altLang="en-US" smtClean="0"/>
-              <a:t>2016/5/18</a:t>
+              <a:t>2016/5/22</a:t>
             </a:fld>
             <a:endParaRPr kumimoji="1" lang="zh-TW" altLang="en-US"/>
           </a:p>
@@ -2725,7 +2725,7 @@
           <a:p>
             <a:fld id="{58B3F3ED-7A63-6541-B692-78FDCC0CB9E1}" type="datetimeFigureOut">
               <a:rPr kumimoji="1" lang="zh-TW" altLang="en-US" smtClean="0"/>
-              <a:t>2016/5/18</a:t>
+              <a:t>2016/5/22</a:t>
             </a:fld>
             <a:endParaRPr kumimoji="1" lang="zh-TW" altLang="en-US"/>
           </a:p>
@@ -3662,630 +3662,690 @@
           </a:p>
         </p:txBody>
       </p:sp>
-      <p:pic>
-        <p:nvPicPr>
-          <p:cNvPr id="75" name="圖片 74" descr="garden-dog-pet.jpg"/>
-          <p:cNvPicPr>
-            <a:picLocks noChangeAspect="1"/>
-          </p:cNvPicPr>
+      <p:grpSp>
+        <p:nvGrpSpPr>
+          <p:cNvPr id="5" name="群組 4"/>
+          <p:cNvGrpSpPr/>
           <p:nvPr/>
-        </p:nvPicPr>
-        <p:blipFill rotWithShape="1">
-          <a:blip r:embed="rId6" cstate="email">
-            <a:extLst>
-              <a:ext uri="{28A0092B-C50C-407E-A947-70E740481C1C}">
-                <a14:useLocalDpi xmlns:a14="http://schemas.microsoft.com/office/drawing/2010/main"/>
-              </a:ext>
-            </a:extLst>
-          </a:blip>
-          <a:srcRect/>
-          <a:stretch/>
-        </p:blipFill>
-        <p:spPr>
+        </p:nvGrpSpPr>
+        <p:grpSpPr>
           <a:xfrm>
-            <a:off x="127059" y="6052812"/>
-            <a:ext cx="939348" cy="900000"/>
+            <a:off x="127063" y="2688986"/>
+            <a:ext cx="3353538" cy="946191"/>
+            <a:chOff x="127063" y="2688986"/>
+            <a:chExt cx="3353538" cy="946191"/>
           </a:xfrm>
-          <a:prstGeom prst="rect">
-            <a:avLst/>
-          </a:prstGeom>
-        </p:spPr>
-      </p:pic>
-      <p:pic>
-        <p:nvPicPr>
-          <p:cNvPr id="76" name="圖片 75" descr="pexels-photo2.jpg"/>
-          <p:cNvPicPr>
-            <a:picLocks noChangeAspect="1"/>
-          </p:cNvPicPr>
-          <p:nvPr/>
-        </p:nvPicPr>
-        <p:blipFill rotWithShape="1">
-          <a:blip r:embed="rId7" cstate="email">
-            <a:extLst>
-              <a:ext uri="{28A0092B-C50C-407E-A947-70E740481C1C}">
-                <a14:useLocalDpi xmlns:a14="http://schemas.microsoft.com/office/drawing/2010/main"/>
-              </a:ext>
-            </a:extLst>
-          </a:blip>
-          <a:srcRect/>
-          <a:stretch/>
-        </p:blipFill>
-        <p:spPr>
-          <a:xfrm>
-            <a:off x="127063" y="4946933"/>
-            <a:ext cx="932393" cy="900000"/>
-          </a:xfrm>
-          <a:prstGeom prst="rect">
-            <a:avLst/>
-          </a:prstGeom>
-        </p:spPr>
-      </p:pic>
-      <p:pic>
-        <p:nvPicPr>
-          <p:cNvPr id="77" name="圖片 76" descr="pexels-photo-51439.jpg"/>
-          <p:cNvPicPr>
-            <a:picLocks noChangeAspect="1"/>
-          </p:cNvPicPr>
-          <p:nvPr/>
-        </p:nvPicPr>
-        <p:blipFill rotWithShape="1">
-          <a:blip r:embed="rId8" cstate="email">
-            <a:extLst>
-              <a:ext uri="{28A0092B-C50C-407E-A947-70E740481C1C}">
-                <a14:useLocalDpi xmlns:a14="http://schemas.microsoft.com/office/drawing/2010/main"/>
-              </a:ext>
-            </a:extLst>
-          </a:blip>
-          <a:srcRect/>
-          <a:stretch/>
-        </p:blipFill>
-        <p:spPr>
-          <a:xfrm>
-            <a:off x="127063" y="3841055"/>
-            <a:ext cx="933531" cy="900000"/>
-          </a:xfrm>
-          <a:prstGeom prst="rect">
-            <a:avLst/>
-          </a:prstGeom>
-        </p:spPr>
-      </p:pic>
-      <p:pic>
-        <p:nvPicPr>
-          <p:cNvPr id="78" name="圖片 77" descr="pexels-photo.jpg"/>
-          <p:cNvPicPr>
-            <a:picLocks noChangeAspect="1"/>
-          </p:cNvPicPr>
-          <p:nvPr/>
-        </p:nvPicPr>
-        <p:blipFill rotWithShape="1">
-          <a:blip r:embed="rId9" cstate="email">
-            <a:extLst>
-              <a:ext uri="{28A0092B-C50C-407E-A947-70E740481C1C}">
-                <a14:useLocalDpi xmlns:a14="http://schemas.microsoft.com/office/drawing/2010/main"/>
-              </a:ext>
-            </a:extLst>
-          </a:blip>
-          <a:srcRect/>
-          <a:stretch/>
-        </p:blipFill>
-        <p:spPr>
-          <a:xfrm>
-            <a:off x="127063" y="2735177"/>
-            <a:ext cx="932393" cy="900000"/>
-          </a:xfrm>
-          <a:prstGeom prst="rect">
-            <a:avLst/>
-          </a:prstGeom>
-        </p:spPr>
-      </p:pic>
-      <p:sp>
-        <p:nvSpPr>
-          <p:cNvPr id="79" name="文字方塊 78"/>
-          <p:cNvSpPr txBox="1"/>
-          <p:nvPr/>
-        </p:nvSpPr>
-        <p:spPr>
-          <a:xfrm>
-            <a:off x="1066070" y="2688986"/>
-            <a:ext cx="944011" cy="307777"/>
-          </a:xfrm>
-          <a:prstGeom prst="rect">
-            <a:avLst/>
-          </a:prstGeom>
-          <a:noFill/>
-        </p:spPr>
-        <p:txBody>
-          <a:bodyPr wrap="square" rtlCol="0">
-            <a:spAutoFit/>
-          </a:bodyPr>
-          <a:lstStyle/>
-          <a:p>
-            <a:r>
-              <a:rPr kumimoji="1" lang="en-US" altLang="zh-TW" sz="1400" b="1" dirty="0" smtClean="0">
+        </p:grpSpPr>
+        <p:pic>
+          <p:nvPicPr>
+            <p:cNvPr id="78" name="圖片 77" descr="pexels-photo.jpg"/>
+            <p:cNvPicPr>
+              <a:picLocks noChangeAspect="1"/>
+            </p:cNvPicPr>
+            <p:nvPr/>
+          </p:nvPicPr>
+          <p:blipFill rotWithShape="1">
+            <a:blip r:embed="rId6" cstate="email">
+              <a:extLst>
+                <a:ext uri="{28A0092B-C50C-407E-A947-70E740481C1C}">
+                  <a14:useLocalDpi xmlns:a14="http://schemas.microsoft.com/office/drawing/2010/main"/>
+                </a:ext>
+              </a:extLst>
+            </a:blip>
+            <a:srcRect/>
+            <a:stretch/>
+          </p:blipFill>
+          <p:spPr>
+            <a:xfrm>
+              <a:off x="127063" y="2735177"/>
+              <a:ext cx="932393" cy="900000"/>
+            </a:xfrm>
+            <a:prstGeom prst="rect">
+              <a:avLst/>
+            </a:prstGeom>
+          </p:spPr>
+        </p:pic>
+        <p:sp>
+          <p:nvSpPr>
+            <p:cNvPr id="79" name="文字方塊 78"/>
+            <p:cNvSpPr txBox="1"/>
+            <p:nvPr/>
+          </p:nvSpPr>
+          <p:spPr>
+            <a:xfrm>
+              <a:off x="1066070" y="2688986"/>
+              <a:ext cx="944011" cy="307777"/>
+            </a:xfrm>
+            <a:prstGeom prst="rect">
+              <a:avLst/>
+            </a:prstGeom>
+            <a:noFill/>
+          </p:spPr>
+          <p:txBody>
+            <a:bodyPr wrap="square" rtlCol="0">
+              <a:spAutoFit/>
+            </a:bodyPr>
+            <a:lstStyle/>
+            <a:p>
+              <a:r>
+                <a:rPr kumimoji="1" lang="en-US" altLang="zh-TW" sz="1400" b="1" dirty="0" smtClean="0">
+                  <a:solidFill>
+                    <a:srgbClr val="663333"/>
+                  </a:solidFill>
+                  <a:latin typeface="SFNS Display"/>
+                  <a:cs typeface="SFNS Display"/>
+                </a:rPr>
+                <a:t>KING</a:t>
+              </a:r>
+              <a:endParaRPr kumimoji="1" lang="zh-TW" altLang="en-US" sz="1400" b="1" dirty="0">
                 <a:solidFill>
                   <a:srgbClr val="663333"/>
                 </a:solidFill>
                 <a:latin typeface="SFNS Display"/>
                 <a:cs typeface="SFNS Display"/>
-              </a:rPr>
-              <a:t>KING</a:t>
-            </a:r>
-            <a:endParaRPr kumimoji="1" lang="zh-TW" altLang="en-US" sz="1400" b="1" dirty="0">
-              <a:solidFill>
-                <a:srgbClr val="663333"/>
-              </a:solidFill>
-              <a:latin typeface="SFNS Display"/>
-              <a:cs typeface="SFNS Display"/>
-            </a:endParaRPr>
-          </a:p>
-        </p:txBody>
-      </p:sp>
-      <p:sp>
-        <p:nvSpPr>
-          <p:cNvPr id="80" name="文字方塊 79"/>
-          <p:cNvSpPr txBox="1"/>
-          <p:nvPr/>
-        </p:nvSpPr>
-        <p:spPr>
-          <a:xfrm>
-            <a:off x="1066066" y="2924005"/>
-            <a:ext cx="1051650" cy="230832"/>
-          </a:xfrm>
-          <a:prstGeom prst="rect">
-            <a:avLst/>
-          </a:prstGeom>
-          <a:noFill/>
-        </p:spPr>
-        <p:txBody>
-          <a:bodyPr wrap="square" rtlCol="0">
-            <a:spAutoFit/>
-          </a:bodyPr>
-          <a:lstStyle/>
-          <a:p>
-            <a:pPr latinLnBrk="1"/>
-            <a:r>
-              <a:rPr kumimoji="1" lang="en-US" altLang="zh-TW" sz="900" i="1" dirty="0" smtClean="0">
+              </a:endParaRPr>
+            </a:p>
+          </p:txBody>
+        </p:sp>
+        <p:sp>
+          <p:nvSpPr>
+            <p:cNvPr id="80" name="文字方塊 79"/>
+            <p:cNvSpPr txBox="1"/>
+            <p:nvPr/>
+          </p:nvSpPr>
+          <p:spPr>
+            <a:xfrm>
+              <a:off x="1066066" y="2924005"/>
+              <a:ext cx="1051650" cy="230832"/>
+            </a:xfrm>
+            <a:prstGeom prst="rect">
+              <a:avLst/>
+            </a:prstGeom>
+            <a:noFill/>
+          </p:spPr>
+          <p:txBody>
+            <a:bodyPr wrap="square" rtlCol="0">
+              <a:spAutoFit/>
+            </a:bodyPr>
+            <a:lstStyle/>
+            <a:p>
+              <a:pPr latinLnBrk="1"/>
+              <a:r>
+                <a:rPr kumimoji="1" lang="en-US" altLang="zh-TW" sz="900" i="1" dirty="0" smtClean="0">
+                  <a:solidFill>
+                    <a:srgbClr val="943F43"/>
+                  </a:solidFill>
+                  <a:latin typeface="SFNS Display"/>
+                  <a:cs typeface="SFNS Display"/>
+                </a:rPr>
+                <a:t>British Shorthair</a:t>
+              </a:r>
+              <a:endParaRPr kumimoji="1" lang="zh-TW" altLang="en-US" sz="900" i="1" dirty="0">
                 <a:solidFill>
                   <a:srgbClr val="943F43"/>
                 </a:solidFill>
                 <a:latin typeface="SFNS Display"/>
                 <a:cs typeface="SFNS Display"/>
-              </a:rPr>
-              <a:t>British Shorthair</a:t>
-            </a:r>
-            <a:endParaRPr kumimoji="1" lang="zh-TW" altLang="en-US" sz="900" i="1" dirty="0">
-              <a:solidFill>
-                <a:srgbClr val="943F43"/>
-              </a:solidFill>
-              <a:latin typeface="SFNS Display"/>
-              <a:cs typeface="SFNS Display"/>
-            </a:endParaRPr>
-          </a:p>
-        </p:txBody>
-      </p:sp>
-      <p:sp>
-        <p:nvSpPr>
-          <p:cNvPr id="112" name="文字方塊 111"/>
-          <p:cNvSpPr txBox="1"/>
-          <p:nvPr/>
-        </p:nvSpPr>
-        <p:spPr>
-          <a:xfrm>
-            <a:off x="1066070" y="3133103"/>
-            <a:ext cx="2414531" cy="400110"/>
-          </a:xfrm>
-          <a:prstGeom prst="rect">
-            <a:avLst/>
-          </a:prstGeom>
-          <a:noFill/>
-        </p:spPr>
-        <p:txBody>
-          <a:bodyPr wrap="square" rtlCol="0">
-            <a:spAutoFit/>
-          </a:bodyPr>
-          <a:lstStyle/>
-          <a:p>
-            <a:r>
-              <a:rPr kumimoji="1" lang="en-US" altLang="zh-TW" sz="1000" dirty="0" smtClean="0">
+              </a:endParaRPr>
+            </a:p>
+          </p:txBody>
+        </p:sp>
+        <p:sp>
+          <p:nvSpPr>
+            <p:cNvPr id="112" name="文字方塊 111"/>
+            <p:cNvSpPr txBox="1"/>
+            <p:nvPr/>
+          </p:nvSpPr>
+          <p:spPr>
+            <a:xfrm>
+              <a:off x="1066070" y="3133103"/>
+              <a:ext cx="2414531" cy="400110"/>
+            </a:xfrm>
+            <a:prstGeom prst="rect">
+              <a:avLst/>
+            </a:prstGeom>
+            <a:noFill/>
+          </p:spPr>
+          <p:txBody>
+            <a:bodyPr wrap="square" rtlCol="0">
+              <a:spAutoFit/>
+            </a:bodyPr>
+            <a:lstStyle/>
+            <a:p>
+              <a:r>
+                <a:rPr kumimoji="1" lang="en-US" altLang="zh-TW" sz="1000" dirty="0" smtClean="0">
+                  <a:solidFill>
+                    <a:srgbClr val="666663"/>
+                  </a:solidFill>
+                  <a:latin typeface="SFNS Display"/>
+                  <a:cs typeface="SFNS Display"/>
+                </a:rPr>
+                <a:t>Check out this primer so you can meet and understand your dog’s needs.</a:t>
+              </a:r>
+              <a:endParaRPr kumimoji="1" lang="zh-TW" altLang="en-US" sz="1000" dirty="0">
                 <a:solidFill>
                   <a:srgbClr val="666663"/>
                 </a:solidFill>
                 <a:latin typeface="SFNS Display"/>
                 <a:cs typeface="SFNS Display"/>
-              </a:rPr>
-              <a:t>Check out this primer so you can meet and understand your dog’s needs.</a:t>
-            </a:r>
-            <a:endParaRPr kumimoji="1" lang="zh-TW" altLang="en-US" sz="1000" dirty="0">
-              <a:solidFill>
-                <a:srgbClr val="666663"/>
-              </a:solidFill>
-              <a:latin typeface="SFNS Display"/>
-              <a:cs typeface="SFNS Display"/>
-            </a:endParaRPr>
-          </a:p>
-        </p:txBody>
-      </p:sp>
-      <p:sp>
-        <p:nvSpPr>
-          <p:cNvPr id="113" name="文字方塊 112"/>
-          <p:cNvSpPr txBox="1"/>
+              </a:endParaRPr>
+            </a:p>
+          </p:txBody>
+        </p:sp>
+      </p:grpSp>
+      <p:grpSp>
+        <p:nvGrpSpPr>
+          <p:cNvPr id="2" name="群組 1"/>
+          <p:cNvGrpSpPr/>
           <p:nvPr/>
-        </p:nvSpPr>
-        <p:spPr>
+        </p:nvGrpSpPr>
+        <p:grpSpPr>
           <a:xfrm>
-            <a:off x="1070937" y="3794863"/>
-            <a:ext cx="944011" cy="307777"/>
+            <a:off x="130306" y="4900742"/>
+            <a:ext cx="3358405" cy="946192"/>
+            <a:chOff x="127063" y="3794863"/>
+            <a:chExt cx="3358405" cy="946192"/>
           </a:xfrm>
-          <a:prstGeom prst="rect">
-            <a:avLst/>
-          </a:prstGeom>
-          <a:noFill/>
-        </p:spPr>
-        <p:txBody>
-          <a:bodyPr wrap="square" rtlCol="0">
-            <a:spAutoFit/>
-          </a:bodyPr>
-          <a:lstStyle/>
-          <a:p>
-            <a:r>
-              <a:rPr kumimoji="1" lang="en-US" altLang="zh-TW" sz="1400" b="1" dirty="0" smtClean="0">
+        </p:grpSpPr>
+        <p:pic>
+          <p:nvPicPr>
+            <p:cNvPr id="77" name="圖片 76" descr="pexels-photo-51439.jpg"/>
+            <p:cNvPicPr>
+              <a:picLocks noChangeAspect="1"/>
+            </p:cNvPicPr>
+            <p:nvPr/>
+          </p:nvPicPr>
+          <p:blipFill rotWithShape="1">
+            <a:blip r:embed="rId7" cstate="email">
+              <a:extLst>
+                <a:ext uri="{28A0092B-C50C-407E-A947-70E740481C1C}">
+                  <a14:useLocalDpi xmlns:a14="http://schemas.microsoft.com/office/drawing/2010/main"/>
+                </a:ext>
+              </a:extLst>
+            </a:blip>
+            <a:srcRect/>
+            <a:stretch/>
+          </p:blipFill>
+          <p:spPr>
+            <a:xfrm>
+              <a:off x="127063" y="3841055"/>
+              <a:ext cx="933531" cy="900000"/>
+            </a:xfrm>
+            <a:prstGeom prst="rect">
+              <a:avLst/>
+            </a:prstGeom>
+          </p:spPr>
+        </p:pic>
+        <p:sp>
+          <p:nvSpPr>
+            <p:cNvPr id="113" name="文字方塊 112"/>
+            <p:cNvSpPr txBox="1"/>
+            <p:nvPr/>
+          </p:nvSpPr>
+          <p:spPr>
+            <a:xfrm>
+              <a:off x="1070937" y="3794863"/>
+              <a:ext cx="944011" cy="307777"/>
+            </a:xfrm>
+            <a:prstGeom prst="rect">
+              <a:avLst/>
+            </a:prstGeom>
+            <a:noFill/>
+          </p:spPr>
+          <p:txBody>
+            <a:bodyPr wrap="square" rtlCol="0">
+              <a:spAutoFit/>
+            </a:bodyPr>
+            <a:lstStyle/>
+            <a:p>
+              <a:r>
+                <a:rPr kumimoji="1" lang="en-US" altLang="zh-TW" sz="1400" b="1" dirty="0" smtClean="0">
+                  <a:solidFill>
+                    <a:srgbClr val="663333"/>
+                  </a:solidFill>
+                  <a:latin typeface="SFNS Display"/>
+                  <a:cs typeface="SFNS Display"/>
+                </a:rPr>
+                <a:t>Cathy</a:t>
+              </a:r>
+              <a:endParaRPr kumimoji="1" lang="zh-TW" altLang="en-US" sz="1400" b="1" dirty="0">
                 <a:solidFill>
                   <a:srgbClr val="663333"/>
                 </a:solidFill>
                 <a:latin typeface="SFNS Display"/>
                 <a:cs typeface="SFNS Display"/>
-              </a:rPr>
-              <a:t>Cathy</a:t>
-            </a:r>
-            <a:endParaRPr kumimoji="1" lang="zh-TW" altLang="en-US" sz="1400" b="1" dirty="0">
-              <a:solidFill>
-                <a:srgbClr val="663333"/>
-              </a:solidFill>
-              <a:latin typeface="SFNS Display"/>
-              <a:cs typeface="SFNS Display"/>
-            </a:endParaRPr>
-          </a:p>
-        </p:txBody>
-      </p:sp>
-      <p:sp>
-        <p:nvSpPr>
-          <p:cNvPr id="114" name="文字方塊 113"/>
-          <p:cNvSpPr txBox="1"/>
-          <p:nvPr/>
-        </p:nvSpPr>
-        <p:spPr>
-          <a:xfrm>
-            <a:off x="1070933" y="4029883"/>
-            <a:ext cx="1051650" cy="230832"/>
-          </a:xfrm>
-          <a:prstGeom prst="rect">
-            <a:avLst/>
-          </a:prstGeom>
-          <a:noFill/>
-        </p:spPr>
-        <p:txBody>
-          <a:bodyPr wrap="square" rtlCol="0">
-            <a:spAutoFit/>
-          </a:bodyPr>
-          <a:lstStyle/>
-          <a:p>
-            <a:pPr latinLnBrk="1"/>
-            <a:r>
-              <a:rPr kumimoji="1" lang="en-US" altLang="zh-TW" sz="900" i="1" dirty="0" smtClean="0">
+              </a:endParaRPr>
+            </a:p>
+          </p:txBody>
+        </p:sp>
+        <p:sp>
+          <p:nvSpPr>
+            <p:cNvPr id="114" name="文字方塊 113"/>
+            <p:cNvSpPr txBox="1"/>
+            <p:nvPr/>
+          </p:nvSpPr>
+          <p:spPr>
+            <a:xfrm>
+              <a:off x="1070933" y="4029883"/>
+              <a:ext cx="1051650" cy="230832"/>
+            </a:xfrm>
+            <a:prstGeom prst="rect">
+              <a:avLst/>
+            </a:prstGeom>
+            <a:noFill/>
+          </p:spPr>
+          <p:txBody>
+            <a:bodyPr wrap="square" rtlCol="0">
+              <a:spAutoFit/>
+            </a:bodyPr>
+            <a:lstStyle/>
+            <a:p>
+              <a:pPr latinLnBrk="1"/>
+              <a:r>
+                <a:rPr kumimoji="1" lang="en-US" altLang="zh-TW" sz="900" i="1" dirty="0" smtClean="0">
+                  <a:solidFill>
+                    <a:srgbClr val="943F43"/>
+                  </a:solidFill>
+                  <a:latin typeface="SFNS Display"/>
+                  <a:cs typeface="SFNS Display"/>
+                </a:rPr>
+                <a:t>British Shorthair</a:t>
+              </a:r>
+              <a:endParaRPr kumimoji="1" lang="zh-TW" altLang="en-US" sz="900" i="1" dirty="0">
                 <a:solidFill>
                   <a:srgbClr val="943F43"/>
                 </a:solidFill>
                 <a:latin typeface="SFNS Display"/>
                 <a:cs typeface="SFNS Display"/>
-              </a:rPr>
-              <a:t>British Shorthair</a:t>
-            </a:r>
-            <a:endParaRPr kumimoji="1" lang="zh-TW" altLang="en-US" sz="900" i="1" dirty="0">
-              <a:solidFill>
-                <a:srgbClr val="943F43"/>
-              </a:solidFill>
-              <a:latin typeface="SFNS Display"/>
-              <a:cs typeface="SFNS Display"/>
-            </a:endParaRPr>
-          </a:p>
-        </p:txBody>
-      </p:sp>
-      <p:sp>
-        <p:nvSpPr>
-          <p:cNvPr id="115" name="文字方塊 114"/>
-          <p:cNvSpPr txBox="1"/>
-          <p:nvPr/>
-        </p:nvSpPr>
-        <p:spPr>
-          <a:xfrm>
-            <a:off x="1070937" y="4238981"/>
-            <a:ext cx="2414531" cy="400110"/>
-          </a:xfrm>
-          <a:prstGeom prst="rect">
-            <a:avLst/>
-          </a:prstGeom>
-          <a:noFill/>
-        </p:spPr>
-        <p:txBody>
-          <a:bodyPr wrap="square" rtlCol="0">
-            <a:spAutoFit/>
-          </a:bodyPr>
-          <a:lstStyle/>
-          <a:p>
-            <a:r>
-              <a:rPr kumimoji="1" lang="en-US" altLang="zh-TW" sz="1000" dirty="0" smtClean="0">
+              </a:endParaRPr>
+            </a:p>
+          </p:txBody>
+        </p:sp>
+        <p:sp>
+          <p:nvSpPr>
+            <p:cNvPr id="115" name="文字方塊 114"/>
+            <p:cNvSpPr txBox="1"/>
+            <p:nvPr/>
+          </p:nvSpPr>
+          <p:spPr>
+            <a:xfrm>
+              <a:off x="1070937" y="4238981"/>
+              <a:ext cx="2414531" cy="400110"/>
+            </a:xfrm>
+            <a:prstGeom prst="rect">
+              <a:avLst/>
+            </a:prstGeom>
+            <a:noFill/>
+          </p:spPr>
+          <p:txBody>
+            <a:bodyPr wrap="square" rtlCol="0">
+              <a:spAutoFit/>
+            </a:bodyPr>
+            <a:lstStyle/>
+            <a:p>
+              <a:r>
+                <a:rPr kumimoji="1" lang="en-US" altLang="zh-TW" sz="1000" dirty="0" smtClean="0">
+                  <a:solidFill>
+                    <a:srgbClr val="666663"/>
+                  </a:solidFill>
+                  <a:latin typeface="SFNS Display"/>
+                  <a:cs typeface="SFNS Display"/>
+                </a:rPr>
+                <a:t>Check out this primer so you can meet and understand your dog’s needs.</a:t>
+              </a:r>
+              <a:endParaRPr kumimoji="1" lang="zh-TW" altLang="en-US" sz="1000" dirty="0">
                 <a:solidFill>
                   <a:srgbClr val="666663"/>
                 </a:solidFill>
                 <a:latin typeface="SFNS Display"/>
                 <a:cs typeface="SFNS Display"/>
-              </a:rPr>
-              <a:t>Check out this primer so you can meet and understand your dog’s needs.</a:t>
-            </a:r>
-            <a:endParaRPr kumimoji="1" lang="zh-TW" altLang="en-US" sz="1000" dirty="0">
-              <a:solidFill>
-                <a:srgbClr val="666663"/>
-              </a:solidFill>
-              <a:latin typeface="SFNS Display"/>
-              <a:cs typeface="SFNS Display"/>
-            </a:endParaRPr>
-          </a:p>
-        </p:txBody>
-      </p:sp>
-      <p:sp>
-        <p:nvSpPr>
-          <p:cNvPr id="116" name="文字方塊 115"/>
-          <p:cNvSpPr txBox="1"/>
+              </a:endParaRPr>
+            </a:p>
+          </p:txBody>
+        </p:sp>
+      </p:grpSp>
+      <p:grpSp>
+        <p:nvGrpSpPr>
+          <p:cNvPr id="4" name="群組 3"/>
+          <p:cNvGrpSpPr/>
           <p:nvPr/>
-        </p:nvSpPr>
-        <p:spPr>
+        </p:nvGrpSpPr>
+        <p:grpSpPr>
           <a:xfrm>
-            <a:off x="1070937" y="4900742"/>
-            <a:ext cx="944011" cy="307777"/>
+            <a:off x="127063" y="3794864"/>
+            <a:ext cx="3358405" cy="946191"/>
+            <a:chOff x="127063" y="4900742"/>
+            <a:chExt cx="3358405" cy="946191"/>
           </a:xfrm>
-          <a:prstGeom prst="rect">
-            <a:avLst/>
-          </a:prstGeom>
-          <a:noFill/>
-        </p:spPr>
-        <p:txBody>
-          <a:bodyPr wrap="square" rtlCol="0">
-            <a:spAutoFit/>
-          </a:bodyPr>
-          <a:lstStyle/>
-          <a:p>
-            <a:r>
-              <a:rPr kumimoji="1" lang="en-US" altLang="zh-TW" sz="1400" b="1" dirty="0" smtClean="0">
+        </p:grpSpPr>
+        <p:pic>
+          <p:nvPicPr>
+            <p:cNvPr id="76" name="圖片 75" descr="pexels-photo2.jpg"/>
+            <p:cNvPicPr>
+              <a:picLocks noChangeAspect="1"/>
+            </p:cNvPicPr>
+            <p:nvPr/>
+          </p:nvPicPr>
+          <p:blipFill rotWithShape="1">
+            <a:blip r:embed="rId8" cstate="email">
+              <a:extLst>
+                <a:ext uri="{28A0092B-C50C-407E-A947-70E740481C1C}">
+                  <a14:useLocalDpi xmlns:a14="http://schemas.microsoft.com/office/drawing/2010/main"/>
+                </a:ext>
+              </a:extLst>
+            </a:blip>
+            <a:srcRect/>
+            <a:stretch/>
+          </p:blipFill>
+          <p:spPr>
+            <a:xfrm>
+              <a:off x="127063" y="4946933"/>
+              <a:ext cx="932393" cy="900000"/>
+            </a:xfrm>
+            <a:prstGeom prst="rect">
+              <a:avLst/>
+            </a:prstGeom>
+          </p:spPr>
+        </p:pic>
+        <p:sp>
+          <p:nvSpPr>
+            <p:cNvPr id="116" name="文字方塊 115"/>
+            <p:cNvSpPr txBox="1"/>
+            <p:nvPr/>
+          </p:nvSpPr>
+          <p:spPr>
+            <a:xfrm>
+              <a:off x="1070937" y="4900742"/>
+              <a:ext cx="944011" cy="307777"/>
+            </a:xfrm>
+            <a:prstGeom prst="rect">
+              <a:avLst/>
+            </a:prstGeom>
+            <a:noFill/>
+          </p:spPr>
+          <p:txBody>
+            <a:bodyPr wrap="square" rtlCol="0">
+              <a:spAutoFit/>
+            </a:bodyPr>
+            <a:lstStyle/>
+            <a:p>
+              <a:r>
+                <a:rPr kumimoji="1" lang="en-US" altLang="zh-TW" sz="1400" b="1" dirty="0" smtClean="0">
+                  <a:solidFill>
+                    <a:srgbClr val="663333"/>
+                  </a:solidFill>
+                  <a:latin typeface="SFNS Display"/>
+                  <a:cs typeface="SFNS Display"/>
+                </a:rPr>
+                <a:t>Happy</a:t>
+              </a:r>
+              <a:endParaRPr kumimoji="1" lang="zh-TW" altLang="en-US" sz="1400" b="1" dirty="0">
                 <a:solidFill>
                   <a:srgbClr val="663333"/>
                 </a:solidFill>
                 <a:latin typeface="SFNS Display"/>
                 <a:cs typeface="SFNS Display"/>
-              </a:rPr>
-              <a:t>Happy</a:t>
-            </a:r>
-            <a:endParaRPr kumimoji="1" lang="zh-TW" altLang="en-US" sz="1400" b="1" dirty="0">
-              <a:solidFill>
-                <a:srgbClr val="663333"/>
-              </a:solidFill>
-              <a:latin typeface="SFNS Display"/>
-              <a:cs typeface="SFNS Display"/>
-            </a:endParaRPr>
-          </a:p>
-        </p:txBody>
-      </p:sp>
-      <p:sp>
-        <p:nvSpPr>
-          <p:cNvPr id="117" name="文字方塊 116"/>
-          <p:cNvSpPr txBox="1"/>
-          <p:nvPr/>
-        </p:nvSpPr>
-        <p:spPr>
-          <a:xfrm>
-            <a:off x="1070933" y="5135761"/>
-            <a:ext cx="1051650" cy="230832"/>
-          </a:xfrm>
-          <a:prstGeom prst="rect">
-            <a:avLst/>
-          </a:prstGeom>
-          <a:noFill/>
-        </p:spPr>
-        <p:txBody>
-          <a:bodyPr wrap="square" rtlCol="0">
-            <a:spAutoFit/>
-          </a:bodyPr>
-          <a:lstStyle/>
-          <a:p>
-            <a:pPr latinLnBrk="1"/>
-            <a:r>
-              <a:rPr kumimoji="1" lang="en-US" altLang="zh-TW" sz="900" i="1" dirty="0" smtClean="0">
+              </a:endParaRPr>
+            </a:p>
+          </p:txBody>
+        </p:sp>
+        <p:sp>
+          <p:nvSpPr>
+            <p:cNvPr id="117" name="文字方塊 116"/>
+            <p:cNvSpPr txBox="1"/>
+            <p:nvPr/>
+          </p:nvSpPr>
+          <p:spPr>
+            <a:xfrm>
+              <a:off x="1070933" y="5135761"/>
+              <a:ext cx="1051650" cy="230832"/>
+            </a:xfrm>
+            <a:prstGeom prst="rect">
+              <a:avLst/>
+            </a:prstGeom>
+            <a:noFill/>
+          </p:spPr>
+          <p:txBody>
+            <a:bodyPr wrap="square" rtlCol="0">
+              <a:spAutoFit/>
+            </a:bodyPr>
+            <a:lstStyle/>
+            <a:p>
+              <a:pPr latinLnBrk="1"/>
+              <a:r>
+                <a:rPr kumimoji="1" lang="en-US" altLang="zh-TW" sz="900" i="1" dirty="0" smtClean="0">
+                  <a:solidFill>
+                    <a:srgbClr val="943F43"/>
+                  </a:solidFill>
+                  <a:latin typeface="SFNS Display"/>
+                  <a:cs typeface="SFNS Display"/>
+                </a:rPr>
+                <a:t>Yorkshire Terrier</a:t>
+              </a:r>
+              <a:endParaRPr kumimoji="1" lang="zh-TW" altLang="en-US" sz="900" i="1" dirty="0">
                 <a:solidFill>
                   <a:srgbClr val="943F43"/>
                 </a:solidFill>
                 <a:latin typeface="SFNS Display"/>
                 <a:cs typeface="SFNS Display"/>
-              </a:rPr>
-              <a:t>Yorkshire Terrier</a:t>
-            </a:r>
-            <a:endParaRPr kumimoji="1" lang="zh-TW" altLang="en-US" sz="900" i="1" dirty="0">
-              <a:solidFill>
-                <a:srgbClr val="943F43"/>
-              </a:solidFill>
-              <a:latin typeface="SFNS Display"/>
-              <a:cs typeface="SFNS Display"/>
-            </a:endParaRPr>
-          </a:p>
-        </p:txBody>
-      </p:sp>
-      <p:sp>
-        <p:nvSpPr>
-          <p:cNvPr id="118" name="文字方塊 117"/>
-          <p:cNvSpPr txBox="1"/>
-          <p:nvPr/>
-        </p:nvSpPr>
-        <p:spPr>
-          <a:xfrm>
-            <a:off x="1070937" y="5344859"/>
-            <a:ext cx="2414531" cy="400110"/>
-          </a:xfrm>
-          <a:prstGeom prst="rect">
-            <a:avLst/>
-          </a:prstGeom>
-          <a:noFill/>
-        </p:spPr>
-        <p:txBody>
-          <a:bodyPr wrap="square" rtlCol="0">
-            <a:spAutoFit/>
-          </a:bodyPr>
-          <a:lstStyle/>
-          <a:p>
-            <a:r>
-              <a:rPr kumimoji="1" lang="en-US" altLang="zh-TW" sz="1000" dirty="0" smtClean="0">
+              </a:endParaRPr>
+            </a:p>
+          </p:txBody>
+        </p:sp>
+        <p:sp>
+          <p:nvSpPr>
+            <p:cNvPr id="118" name="文字方塊 117"/>
+            <p:cNvSpPr txBox="1"/>
+            <p:nvPr/>
+          </p:nvSpPr>
+          <p:spPr>
+            <a:xfrm>
+              <a:off x="1070937" y="5344859"/>
+              <a:ext cx="2414531" cy="400110"/>
+            </a:xfrm>
+            <a:prstGeom prst="rect">
+              <a:avLst/>
+            </a:prstGeom>
+            <a:noFill/>
+          </p:spPr>
+          <p:txBody>
+            <a:bodyPr wrap="square" rtlCol="0">
+              <a:spAutoFit/>
+            </a:bodyPr>
+            <a:lstStyle/>
+            <a:p>
+              <a:r>
+                <a:rPr kumimoji="1" lang="en-US" altLang="zh-TW" sz="1000" dirty="0" smtClean="0">
+                  <a:solidFill>
+                    <a:srgbClr val="666663"/>
+                  </a:solidFill>
+                  <a:latin typeface="SFNS Display"/>
+                  <a:cs typeface="SFNS Display"/>
+                </a:rPr>
+                <a:t>Check out this primer so you can meet and understand your dog’s needs.</a:t>
+              </a:r>
+              <a:endParaRPr kumimoji="1" lang="zh-TW" altLang="en-US" sz="1000" dirty="0">
                 <a:solidFill>
                   <a:srgbClr val="666663"/>
                 </a:solidFill>
                 <a:latin typeface="SFNS Display"/>
                 <a:cs typeface="SFNS Display"/>
-              </a:rPr>
-              <a:t>Check out this primer so you can meet and understand your dog’s needs.</a:t>
-            </a:r>
-            <a:endParaRPr kumimoji="1" lang="zh-TW" altLang="en-US" sz="1000" dirty="0">
-              <a:solidFill>
-                <a:srgbClr val="666663"/>
-              </a:solidFill>
-              <a:latin typeface="SFNS Display"/>
-              <a:cs typeface="SFNS Display"/>
-            </a:endParaRPr>
-          </a:p>
-        </p:txBody>
-      </p:sp>
-      <p:sp>
-        <p:nvSpPr>
-          <p:cNvPr id="119" name="文字方塊 118"/>
-          <p:cNvSpPr txBox="1"/>
+              </a:endParaRPr>
+            </a:p>
+          </p:txBody>
+        </p:sp>
+      </p:grpSp>
+      <p:grpSp>
+        <p:nvGrpSpPr>
+          <p:cNvPr id="6" name="群組 5"/>
+          <p:cNvGrpSpPr/>
           <p:nvPr/>
-        </p:nvSpPr>
-        <p:spPr>
+        </p:nvGrpSpPr>
+        <p:grpSpPr>
           <a:xfrm>
-            <a:off x="1076404" y="6006620"/>
-            <a:ext cx="944011" cy="307777"/>
+            <a:off x="127059" y="6006620"/>
+            <a:ext cx="3363876" cy="946192"/>
+            <a:chOff x="127059" y="6006620"/>
+            <a:chExt cx="3363876" cy="946192"/>
           </a:xfrm>
-          <a:prstGeom prst="rect">
-            <a:avLst/>
-          </a:prstGeom>
-          <a:noFill/>
-        </p:spPr>
-        <p:txBody>
-          <a:bodyPr wrap="square" rtlCol="0">
-            <a:spAutoFit/>
-          </a:bodyPr>
-          <a:lstStyle/>
-          <a:p>
-            <a:r>
-              <a:rPr kumimoji="1" lang="en-US" altLang="zh-TW" sz="1400" b="1" dirty="0" smtClean="0">
+        </p:grpSpPr>
+        <p:pic>
+          <p:nvPicPr>
+            <p:cNvPr id="75" name="圖片 74" descr="garden-dog-pet.jpg"/>
+            <p:cNvPicPr>
+              <a:picLocks noChangeAspect="1"/>
+            </p:cNvPicPr>
+            <p:nvPr/>
+          </p:nvPicPr>
+          <p:blipFill rotWithShape="1">
+            <a:blip r:embed="rId9" cstate="email">
+              <a:extLst>
+                <a:ext uri="{28A0092B-C50C-407E-A947-70E740481C1C}">
+                  <a14:useLocalDpi xmlns:a14="http://schemas.microsoft.com/office/drawing/2010/main"/>
+                </a:ext>
+              </a:extLst>
+            </a:blip>
+            <a:srcRect/>
+            <a:stretch/>
+          </p:blipFill>
+          <p:spPr>
+            <a:xfrm>
+              <a:off x="127059" y="6052812"/>
+              <a:ext cx="939348" cy="900000"/>
+            </a:xfrm>
+            <a:prstGeom prst="rect">
+              <a:avLst/>
+            </a:prstGeom>
+          </p:spPr>
+        </p:pic>
+        <p:sp>
+          <p:nvSpPr>
+            <p:cNvPr id="119" name="文字方塊 118"/>
+            <p:cNvSpPr txBox="1"/>
+            <p:nvPr/>
+          </p:nvSpPr>
+          <p:spPr>
+            <a:xfrm>
+              <a:off x="1076404" y="6006620"/>
+              <a:ext cx="944011" cy="307777"/>
+            </a:xfrm>
+            <a:prstGeom prst="rect">
+              <a:avLst/>
+            </a:prstGeom>
+            <a:noFill/>
+          </p:spPr>
+          <p:txBody>
+            <a:bodyPr wrap="square" rtlCol="0">
+              <a:spAutoFit/>
+            </a:bodyPr>
+            <a:lstStyle/>
+            <a:p>
+              <a:r>
+                <a:rPr kumimoji="1" lang="en-US" altLang="zh-TW" sz="1400" b="1" dirty="0" smtClean="0">
+                  <a:solidFill>
+                    <a:srgbClr val="663333"/>
+                  </a:solidFill>
+                  <a:latin typeface="SFNS Display"/>
+                  <a:cs typeface="SFNS Display"/>
+                </a:rPr>
+                <a:t>Myra</a:t>
+              </a:r>
+              <a:endParaRPr kumimoji="1" lang="zh-TW" altLang="en-US" sz="1400" b="1" dirty="0">
                 <a:solidFill>
                   <a:srgbClr val="663333"/>
                 </a:solidFill>
                 <a:latin typeface="SFNS Display"/>
                 <a:cs typeface="SFNS Display"/>
-              </a:rPr>
-              <a:t>Myra</a:t>
-            </a:r>
-            <a:endParaRPr kumimoji="1" lang="zh-TW" altLang="en-US" sz="1400" b="1" dirty="0">
-              <a:solidFill>
-                <a:srgbClr val="663333"/>
-              </a:solidFill>
-              <a:latin typeface="SFNS Display"/>
-              <a:cs typeface="SFNS Display"/>
-            </a:endParaRPr>
-          </a:p>
-        </p:txBody>
-      </p:sp>
-      <p:sp>
-        <p:nvSpPr>
-          <p:cNvPr id="120" name="文字方塊 119"/>
-          <p:cNvSpPr txBox="1"/>
-          <p:nvPr/>
-        </p:nvSpPr>
-        <p:spPr>
-          <a:xfrm>
-            <a:off x="1076400" y="6241640"/>
-            <a:ext cx="1051650" cy="230832"/>
-          </a:xfrm>
-          <a:prstGeom prst="rect">
-            <a:avLst/>
-          </a:prstGeom>
-          <a:noFill/>
-        </p:spPr>
-        <p:txBody>
-          <a:bodyPr wrap="square" rtlCol="0">
-            <a:spAutoFit/>
-          </a:bodyPr>
-          <a:lstStyle/>
-          <a:p>
-            <a:pPr latinLnBrk="1"/>
-            <a:r>
-              <a:rPr kumimoji="1" lang="en-US" altLang="zh-TW" sz="900" i="1" dirty="0" smtClean="0">
+              </a:endParaRPr>
+            </a:p>
+          </p:txBody>
+        </p:sp>
+        <p:sp>
+          <p:nvSpPr>
+            <p:cNvPr id="120" name="文字方塊 119"/>
+            <p:cNvSpPr txBox="1"/>
+            <p:nvPr/>
+          </p:nvSpPr>
+          <p:spPr>
+            <a:xfrm>
+              <a:off x="1076400" y="6241640"/>
+              <a:ext cx="1051650" cy="230832"/>
+            </a:xfrm>
+            <a:prstGeom prst="rect">
+              <a:avLst/>
+            </a:prstGeom>
+            <a:noFill/>
+          </p:spPr>
+          <p:txBody>
+            <a:bodyPr wrap="square" rtlCol="0">
+              <a:spAutoFit/>
+            </a:bodyPr>
+            <a:lstStyle/>
+            <a:p>
+              <a:pPr latinLnBrk="1"/>
+              <a:r>
+                <a:rPr kumimoji="1" lang="en-US" altLang="zh-TW" sz="900" i="1" dirty="0" smtClean="0">
+                  <a:solidFill>
+                    <a:srgbClr val="943F43"/>
+                  </a:solidFill>
+                  <a:latin typeface="SFNS Display"/>
+                  <a:cs typeface="SFNS Display"/>
+                </a:rPr>
+                <a:t>Yorkshire Terrier</a:t>
+              </a:r>
+              <a:endParaRPr kumimoji="1" lang="zh-TW" altLang="en-US" sz="900" i="1" dirty="0">
                 <a:solidFill>
                   <a:srgbClr val="943F43"/>
                 </a:solidFill>
                 <a:latin typeface="SFNS Display"/>
                 <a:cs typeface="SFNS Display"/>
-              </a:rPr>
-              <a:t>Yorkshire Terrier</a:t>
-            </a:r>
-            <a:endParaRPr kumimoji="1" lang="zh-TW" altLang="en-US" sz="900" i="1" dirty="0">
-              <a:solidFill>
-                <a:srgbClr val="943F43"/>
-              </a:solidFill>
-              <a:latin typeface="SFNS Display"/>
-              <a:cs typeface="SFNS Display"/>
-            </a:endParaRPr>
-          </a:p>
-        </p:txBody>
-      </p:sp>
-      <p:sp>
-        <p:nvSpPr>
-          <p:cNvPr id="121" name="文字方塊 120"/>
-          <p:cNvSpPr txBox="1"/>
-          <p:nvPr/>
-        </p:nvSpPr>
-        <p:spPr>
-          <a:xfrm>
-            <a:off x="1076404" y="6450738"/>
-            <a:ext cx="2414531" cy="400110"/>
-          </a:xfrm>
-          <a:prstGeom prst="rect">
-            <a:avLst/>
-          </a:prstGeom>
-          <a:noFill/>
-        </p:spPr>
-        <p:txBody>
-          <a:bodyPr wrap="square" rtlCol="0">
-            <a:spAutoFit/>
-          </a:bodyPr>
-          <a:lstStyle/>
-          <a:p>
-            <a:r>
-              <a:rPr kumimoji="1" lang="en-US" altLang="zh-TW" sz="1000" dirty="0" smtClean="0">
+              </a:endParaRPr>
+            </a:p>
+          </p:txBody>
+        </p:sp>
+        <p:sp>
+          <p:nvSpPr>
+            <p:cNvPr id="121" name="文字方塊 120"/>
+            <p:cNvSpPr txBox="1"/>
+            <p:nvPr/>
+          </p:nvSpPr>
+          <p:spPr>
+            <a:xfrm>
+              <a:off x="1076404" y="6450738"/>
+              <a:ext cx="2414531" cy="400110"/>
+            </a:xfrm>
+            <a:prstGeom prst="rect">
+              <a:avLst/>
+            </a:prstGeom>
+            <a:noFill/>
+          </p:spPr>
+          <p:txBody>
+            <a:bodyPr wrap="square" rtlCol="0">
+              <a:spAutoFit/>
+            </a:bodyPr>
+            <a:lstStyle/>
+            <a:p>
+              <a:r>
+                <a:rPr kumimoji="1" lang="en-US" altLang="zh-TW" sz="1000" dirty="0" smtClean="0">
+                  <a:solidFill>
+                    <a:srgbClr val="666663"/>
+                  </a:solidFill>
+                  <a:latin typeface="SFNS Display"/>
+                  <a:cs typeface="SFNS Display"/>
+                </a:rPr>
+                <a:t>Check out this primer so you can meet and understand your dog’s needs.</a:t>
+              </a:r>
+              <a:endParaRPr kumimoji="1" lang="zh-TW" altLang="en-US" sz="1000" dirty="0">
                 <a:solidFill>
                   <a:srgbClr val="666663"/>
                 </a:solidFill>
                 <a:latin typeface="SFNS Display"/>
                 <a:cs typeface="SFNS Display"/>
-              </a:rPr>
-              <a:t>Check out this primer so you can meet and understand your dog’s needs.</a:t>
-            </a:r>
-            <a:endParaRPr kumimoji="1" lang="zh-TW" altLang="en-US" sz="1000" dirty="0">
-              <a:solidFill>
-                <a:srgbClr val="666663"/>
-              </a:solidFill>
-              <a:latin typeface="SFNS Display"/>
-              <a:cs typeface="SFNS Display"/>
-            </a:endParaRPr>
-          </a:p>
-        </p:txBody>
-      </p:sp>
+              </a:endParaRPr>
+            </a:p>
+          </p:txBody>
+        </p:sp>
+      </p:grpSp>
       <p:sp>
         <p:nvSpPr>
           <p:cNvPr id="122" name="矩形 121"/>
